--- a/myLottoUXDesign - Copy.pptx
+++ b/myLottoUXDesign - Copy.pptx
@@ -16,7 +16,10 @@
     <p:sldId id="267" r:id="rId10"/>
     <p:sldId id="268" r:id="rId11"/>
     <p:sldId id="269" r:id="rId12"/>
-    <p:sldId id="257" r:id="rId13"/>
+    <p:sldId id="271" r:id="rId13"/>
+    <p:sldId id="270" r:id="rId14"/>
+    <p:sldId id="272" r:id="rId15"/>
+    <p:sldId id="257" r:id="rId16"/>
   </p:sldIdLst>
   <p:sldSz cx="12192000" cy="6858000"/>
   <p:notesSz cx="6858000" cy="9144000"/>
@@ -4734,7 +4737,7 @@
                 <a:latin typeface="Aparajita" panose="020B0502040204020203" pitchFamily="18" charset="0"/>
                 <a:cs typeface="Aparajita" panose="020B0502040204020203" pitchFamily="18" charset="0"/>
               </a:rPr>
-              <a:t>Purchase (1-2-9)</a:t>
+              <a:t>About point (1-2-2)</a:t>
             </a:r>
           </a:p>
         </p:txBody>
@@ -4829,7 +4832,7 @@
                 <a:latin typeface="Skeena Display" panose="020B0604020202020204" pitchFamily="2" charset="0"/>
                 <a:cs typeface="Aldhabi" panose="020B0604020202020204" pitchFamily="2" charset="-78"/>
               </a:rPr>
-              <a:t>&lt;-     Purchase</a:t>
+              <a:t>&lt;-     About Point</a:t>
             </a:r>
           </a:p>
         </p:txBody>
@@ -5048,7 +5051,7 @@
         <p:spPr>
           <a:xfrm>
             <a:off x="5062791" y="2490675"/>
-            <a:ext cx="2060340" cy="276999"/>
+            <a:ext cx="2435758" cy="276999"/>
           </a:xfrm>
           <a:prstGeom prst="rect">
             <a:avLst/>
@@ -5064,7 +5067,7 @@
             <a:pPr algn="ctr"/>
             <a:r>
               <a:rPr lang="en-GB" sz="1200" dirty="0"/>
-              <a:t>5,000 – 1 week</a:t>
+              <a:t>5,000 – 1 week free subscription</a:t>
             </a:r>
           </a:p>
         </p:txBody>
@@ -5573,6 +5576,2620 @@
 </file>
 
 <file path=ppt/slides/slide12.xml><?xml version="1.0" encoding="utf-8"?>
+<p:sld xmlns:a="http://schemas.openxmlformats.org/drawingml/2006/main" xmlns:r="http://schemas.openxmlformats.org/officeDocument/2006/relationships" xmlns:p="http://schemas.openxmlformats.org/presentationml/2006/main">
+  <p:cSld>
+    <p:spTree>
+      <p:nvGrpSpPr>
+        <p:cNvPr id="1" name=""/>
+        <p:cNvGrpSpPr/>
+        <p:nvPr/>
+      </p:nvGrpSpPr>
+      <p:grpSpPr>
+        <a:xfrm>
+          <a:off x="0" y="0"/>
+          <a:ext cx="0" cy="0"/>
+          <a:chOff x="0" y="0"/>
+          <a:chExt cx="0" cy="0"/>
+        </a:xfrm>
+      </p:grpSpPr>
+      <p:pic>
+        <p:nvPicPr>
+          <p:cNvPr id="8" name="Picture 7" descr="A picture containing text, monitor, electronics, screenshot&#10;&#10;Description automatically generated">
+            <a:extLst>
+              <a:ext uri="{FF2B5EF4-FFF2-40B4-BE49-F238E27FC236}">
+                <a16:creationId xmlns:a16="http://schemas.microsoft.com/office/drawing/2014/main" id="{307B93B5-CEDC-4133-8461-47BC7B302EB0}"/>
+              </a:ext>
+            </a:extLst>
+          </p:cNvPr>
+          <p:cNvPicPr>
+            <a:picLocks noChangeAspect="1"/>
+          </p:cNvPicPr>
+          <p:nvPr/>
+        </p:nvPicPr>
+        <p:blipFill rotWithShape="1">
+          <a:blip r:embed="rId2">
+            <a:extLst>
+              <a:ext uri="{28A0092B-C50C-407E-A947-70E740481C1C}">
+                <a14:useLocalDpi xmlns:a14="http://schemas.microsoft.com/office/drawing/2010/main" val="0"/>
+              </a:ext>
+            </a:extLst>
+          </a:blip>
+          <a:srcRect l="3550" t="1945" b="1250"/>
+          <a:stretch/>
+        </p:blipFill>
+        <p:spPr>
+          <a:xfrm>
+            <a:off x="4777485" y="839979"/>
+            <a:ext cx="2765061" cy="5776911"/>
+          </a:xfrm>
+          <a:prstGeom prst="rect">
+            <a:avLst/>
+          </a:prstGeom>
+        </p:spPr>
+      </p:pic>
+      <p:sp>
+        <p:nvSpPr>
+          <p:cNvPr id="22" name="TextBox 21">
+            <a:extLst>
+              <a:ext uri="{FF2B5EF4-FFF2-40B4-BE49-F238E27FC236}">
+                <a16:creationId xmlns:a16="http://schemas.microsoft.com/office/drawing/2014/main" id="{B2EC04B5-8187-447D-9F33-823DB47307ED}"/>
+              </a:ext>
+            </a:extLst>
+          </p:cNvPr>
+          <p:cNvSpPr txBox="1"/>
+          <p:nvPr/>
+        </p:nvSpPr>
+        <p:spPr>
+          <a:xfrm>
+            <a:off x="277544" y="241110"/>
+            <a:ext cx="3128386" cy="830997"/>
+          </a:xfrm>
+          <a:prstGeom prst="rect">
+            <a:avLst/>
+          </a:prstGeom>
+          <a:noFill/>
+        </p:spPr>
+        <p:txBody>
+          <a:bodyPr wrap="square" rtlCol="0">
+            <a:spAutoFit/>
+          </a:bodyPr>
+          <a:lstStyle/>
+          <a:p>
+            <a:pPr algn="ctr"/>
+            <a:r>
+              <a:rPr lang="en-GB" sz="2400" b="1" dirty="0">
+                <a:latin typeface="Aparajita" panose="020B0502040204020203" pitchFamily="18" charset="0"/>
+                <a:cs typeface="Aparajita" panose="020B0502040204020203" pitchFamily="18" charset="0"/>
+              </a:rPr>
+              <a:t>Winning Numbers history (1-2-5)</a:t>
+            </a:r>
+          </a:p>
+        </p:txBody>
+      </p:sp>
+      <p:sp>
+        <p:nvSpPr>
+          <p:cNvPr id="2" name="TextBox 1">
+            <a:extLst>
+              <a:ext uri="{FF2B5EF4-FFF2-40B4-BE49-F238E27FC236}">
+                <a16:creationId xmlns:a16="http://schemas.microsoft.com/office/drawing/2014/main" id="{9948FFD9-D270-4E35-9110-75D7119B902F}"/>
+              </a:ext>
+            </a:extLst>
+          </p:cNvPr>
+          <p:cNvSpPr txBox="1"/>
+          <p:nvPr/>
+        </p:nvSpPr>
+        <p:spPr>
+          <a:xfrm>
+            <a:off x="5655644" y="1601102"/>
+            <a:ext cx="998290" cy="246221"/>
+          </a:xfrm>
+          <a:prstGeom prst="rect">
+            <a:avLst/>
+          </a:prstGeom>
+          <a:noFill/>
+        </p:spPr>
+        <p:txBody>
+          <a:bodyPr wrap="square" rtlCol="0">
+            <a:spAutoFit/>
+          </a:bodyPr>
+          <a:lstStyle/>
+          <a:p>
+            <a:pPr algn="ctr"/>
+            <a:r>
+              <a:rPr lang="en-GB" sz="1000" dirty="0"/>
+              <a:t>Logo</a:t>
+            </a:r>
+          </a:p>
+        </p:txBody>
+      </p:sp>
+      <p:sp>
+        <p:nvSpPr>
+          <p:cNvPr id="16" name="Rectangle: Rounded Corners 15">
+            <a:extLst>
+              <a:ext uri="{FF2B5EF4-FFF2-40B4-BE49-F238E27FC236}">
+                <a16:creationId xmlns:a16="http://schemas.microsoft.com/office/drawing/2014/main" id="{89F3BEB6-FA1F-474B-BD60-93F9D52C35DD}"/>
+              </a:ext>
+            </a:extLst>
+          </p:cNvPr>
+          <p:cNvSpPr/>
+          <p:nvPr/>
+        </p:nvSpPr>
+        <p:spPr>
+          <a:xfrm>
+            <a:off x="4938165" y="1519424"/>
+            <a:ext cx="2435758" cy="409575"/>
+          </a:xfrm>
+          <a:prstGeom prst="roundRect">
+            <a:avLst>
+              <a:gd name="adj" fmla="val 0"/>
+            </a:avLst>
+          </a:prstGeom>
+          <a:solidFill>
+            <a:srgbClr val="931A25"/>
+          </a:solidFill>
+          <a:ln>
+            <a:noFill/>
+          </a:ln>
+        </p:spPr>
+        <p:style>
+          <a:lnRef idx="2">
+            <a:schemeClr val="accent1">
+              <a:shade val="50000"/>
+            </a:schemeClr>
+          </a:lnRef>
+          <a:fillRef idx="1">
+            <a:schemeClr val="accent1"/>
+          </a:fillRef>
+          <a:effectRef idx="0">
+            <a:schemeClr val="accent1"/>
+          </a:effectRef>
+          <a:fontRef idx="minor">
+            <a:schemeClr val="lt1"/>
+          </a:fontRef>
+        </p:style>
+        <p:txBody>
+          <a:bodyPr rtlCol="0" anchor="ctr"/>
+          <a:lstStyle/>
+          <a:p>
+            <a:r>
+              <a:rPr lang="en-GB" sz="1400" dirty="0">
+                <a:latin typeface="Skeena Display" panose="020B0604020202020204" pitchFamily="2" charset="0"/>
+                <a:cs typeface="Aldhabi" panose="020B0604020202020204" pitchFamily="2" charset="-78"/>
+              </a:rPr>
+              <a:t>&lt;-     Winning Numbers</a:t>
+            </a:r>
+          </a:p>
+        </p:txBody>
+      </p:sp>
+      <p:cxnSp>
+        <p:nvCxnSpPr>
+          <p:cNvPr id="25" name="Connector: Elbow 24">
+            <a:extLst>
+              <a:ext uri="{FF2B5EF4-FFF2-40B4-BE49-F238E27FC236}">
+                <a16:creationId xmlns:a16="http://schemas.microsoft.com/office/drawing/2014/main" id="{F95C8CE2-0B6F-42C2-B92A-BF2167A55830}"/>
+              </a:ext>
+            </a:extLst>
+          </p:cNvPr>
+          <p:cNvCxnSpPr>
+            <a:cxnSpLocks/>
+          </p:cNvCxnSpPr>
+          <p:nvPr/>
+        </p:nvCxnSpPr>
+        <p:spPr>
+          <a:xfrm>
+            <a:off x="3788192" y="1540155"/>
+            <a:ext cx="1180017" cy="196896"/>
+          </a:xfrm>
+          <a:prstGeom prst="bentConnector3">
+            <a:avLst>
+              <a:gd name="adj1" fmla="val 50000"/>
+            </a:avLst>
+          </a:prstGeom>
+          <a:ln w="28575">
+            <a:solidFill>
+              <a:srgbClr val="931A25"/>
+            </a:solidFill>
+          </a:ln>
+        </p:spPr>
+        <p:style>
+          <a:lnRef idx="1">
+            <a:schemeClr val="accent1"/>
+          </a:lnRef>
+          <a:fillRef idx="0">
+            <a:schemeClr val="accent1"/>
+          </a:fillRef>
+          <a:effectRef idx="0">
+            <a:schemeClr val="accent1"/>
+          </a:effectRef>
+          <a:fontRef idx="minor">
+            <a:schemeClr val="tx1"/>
+          </a:fontRef>
+        </p:style>
+      </p:cxnSp>
+      <p:sp>
+        <p:nvSpPr>
+          <p:cNvPr id="47" name="TextBox 46">
+            <a:extLst>
+              <a:ext uri="{FF2B5EF4-FFF2-40B4-BE49-F238E27FC236}">
+                <a16:creationId xmlns:a16="http://schemas.microsoft.com/office/drawing/2014/main" id="{E1634ED7-D804-42D5-A8A5-A9CBDE08C9E1}"/>
+              </a:ext>
+            </a:extLst>
+          </p:cNvPr>
+          <p:cNvSpPr txBox="1"/>
+          <p:nvPr/>
+        </p:nvSpPr>
+        <p:spPr>
+          <a:xfrm>
+            <a:off x="1132514" y="1386267"/>
+            <a:ext cx="3042407" cy="307777"/>
+          </a:xfrm>
+          <a:prstGeom prst="rect">
+            <a:avLst/>
+          </a:prstGeom>
+          <a:solidFill>
+            <a:srgbClr val="931A25"/>
+          </a:solidFill>
+          <a:ln w="28575">
+            <a:solidFill>
+              <a:srgbClr val="931A25"/>
+            </a:solidFill>
+          </a:ln>
+        </p:spPr>
+        <p:txBody>
+          <a:bodyPr wrap="square" rtlCol="0">
+            <a:spAutoFit/>
+          </a:bodyPr>
+          <a:lstStyle/>
+          <a:p>
+            <a:pPr algn="just"/>
+            <a:r>
+              <a:rPr lang="en-GB" sz="1400" dirty="0">
+                <a:solidFill>
+                  <a:schemeClr val="bg1"/>
+                </a:solidFill>
+                <a:latin typeface="Skeena Display" panose="020B0604020202020204" pitchFamily="2" charset="0"/>
+                <a:cs typeface="Aldhabi" panose="020B0604020202020204" pitchFamily="2" charset="-78"/>
+              </a:rPr>
+              <a:t>1. Stack Navigator and Title</a:t>
+            </a:r>
+          </a:p>
+        </p:txBody>
+      </p:sp>
+      <p:sp>
+        <p:nvSpPr>
+          <p:cNvPr id="50" name="Rectangle: Rounded Corners 49">
+            <a:extLst>
+              <a:ext uri="{FF2B5EF4-FFF2-40B4-BE49-F238E27FC236}">
+                <a16:creationId xmlns:a16="http://schemas.microsoft.com/office/drawing/2014/main" id="{B40AE29B-A446-4BB7-8C3D-AD0342C7611D}"/>
+              </a:ext>
+            </a:extLst>
+          </p:cNvPr>
+          <p:cNvSpPr/>
+          <p:nvPr/>
+        </p:nvSpPr>
+        <p:spPr>
+          <a:xfrm>
+            <a:off x="4938165" y="5603652"/>
+            <a:ext cx="2435758" cy="384376"/>
+          </a:xfrm>
+          <a:prstGeom prst="roundRect">
+            <a:avLst>
+              <a:gd name="adj" fmla="val 0"/>
+            </a:avLst>
+          </a:prstGeom>
+          <a:solidFill>
+            <a:srgbClr val="931A25"/>
+          </a:solidFill>
+          <a:ln>
+            <a:noFill/>
+          </a:ln>
+        </p:spPr>
+        <p:style>
+          <a:lnRef idx="2">
+            <a:schemeClr val="accent1">
+              <a:shade val="50000"/>
+            </a:schemeClr>
+          </a:lnRef>
+          <a:fillRef idx="1">
+            <a:schemeClr val="accent1"/>
+          </a:fillRef>
+          <a:effectRef idx="0">
+            <a:schemeClr val="accent1"/>
+          </a:effectRef>
+          <a:fontRef idx="minor">
+            <a:schemeClr val="lt1"/>
+          </a:fontRef>
+        </p:style>
+        <p:txBody>
+          <a:bodyPr rtlCol="0" anchor="ctr"/>
+          <a:lstStyle/>
+          <a:p>
+            <a:pPr algn="ctr"/>
+            <a:r>
+              <a:rPr lang="en-GB" sz="1000" dirty="0">
+                <a:latin typeface="Skeena Display" panose="020B0604020202020204" pitchFamily="2" charset="0"/>
+                <a:cs typeface="Aldhabi" panose="020B0604020202020204" pitchFamily="2" charset="-78"/>
+              </a:rPr>
+              <a:t>[Home]  [Event]  [My room]  [Purchase]</a:t>
+            </a:r>
+          </a:p>
+          <a:p>
+            <a:r>
+              <a:rPr lang="en-GB" sz="1000" dirty="0">
+                <a:latin typeface="Skeena Display" panose="020B0604020202020204" pitchFamily="2" charset="0"/>
+                <a:cs typeface="Aldhabi" panose="020B0604020202020204" pitchFamily="2" charset="-78"/>
+              </a:rPr>
+              <a:t>       [1-2]      [1-2-7]     [1-2-1 ]        [1-2-9]</a:t>
+            </a:r>
+          </a:p>
+        </p:txBody>
+      </p:sp>
+      <p:sp>
+        <p:nvSpPr>
+          <p:cNvPr id="13" name="TextBox 12">
+            <a:extLst>
+              <a:ext uri="{FF2B5EF4-FFF2-40B4-BE49-F238E27FC236}">
+                <a16:creationId xmlns:a16="http://schemas.microsoft.com/office/drawing/2014/main" id="{F0F97C7F-2232-4F19-A62F-9079DF6D51FB}"/>
+              </a:ext>
+            </a:extLst>
+          </p:cNvPr>
+          <p:cNvSpPr txBox="1"/>
+          <p:nvPr/>
+        </p:nvSpPr>
+        <p:spPr>
+          <a:xfrm>
+            <a:off x="4936078" y="2129671"/>
+            <a:ext cx="998290" cy="276999"/>
+          </a:xfrm>
+          <a:prstGeom prst="rect">
+            <a:avLst/>
+          </a:prstGeom>
+          <a:noFill/>
+        </p:spPr>
+        <p:txBody>
+          <a:bodyPr wrap="square" rtlCol="0">
+            <a:spAutoFit/>
+          </a:bodyPr>
+          <a:lstStyle/>
+          <a:p>
+            <a:pPr algn="ctr"/>
+            <a:r>
+              <a:rPr lang="en-GB" sz="1200" dirty="0"/>
+              <a:t>Round 235</a:t>
+            </a:r>
+          </a:p>
+        </p:txBody>
+      </p:sp>
+      <p:sp>
+        <p:nvSpPr>
+          <p:cNvPr id="3" name="Oval 2">
+            <a:extLst>
+              <a:ext uri="{FF2B5EF4-FFF2-40B4-BE49-F238E27FC236}">
+                <a16:creationId xmlns:a16="http://schemas.microsoft.com/office/drawing/2014/main" id="{EBEE513E-69B4-4FF0-99DC-B2FDCDA3961C}"/>
+              </a:ext>
+            </a:extLst>
+          </p:cNvPr>
+          <p:cNvSpPr/>
+          <p:nvPr/>
+        </p:nvSpPr>
+        <p:spPr>
+          <a:xfrm>
+            <a:off x="5140176" y="2490675"/>
+            <a:ext cx="276999" cy="276999"/>
+          </a:xfrm>
+          <a:prstGeom prst="ellipse">
+            <a:avLst/>
+          </a:prstGeom>
+        </p:spPr>
+        <p:style>
+          <a:lnRef idx="2">
+            <a:schemeClr val="accent1">
+              <a:shade val="50000"/>
+            </a:schemeClr>
+          </a:lnRef>
+          <a:fillRef idx="1">
+            <a:schemeClr val="accent1"/>
+          </a:fillRef>
+          <a:effectRef idx="0">
+            <a:schemeClr val="accent1"/>
+          </a:effectRef>
+          <a:fontRef idx="minor">
+            <a:schemeClr val="lt1"/>
+          </a:fontRef>
+        </p:style>
+        <p:txBody>
+          <a:bodyPr rtlCol="0" anchor="ctr"/>
+          <a:lstStyle/>
+          <a:p>
+            <a:pPr algn="ctr"/>
+            <a:endParaRPr lang="en-GB"/>
+          </a:p>
+        </p:txBody>
+      </p:sp>
+      <p:sp>
+        <p:nvSpPr>
+          <p:cNvPr id="30" name="Oval 29">
+            <a:extLst>
+              <a:ext uri="{FF2B5EF4-FFF2-40B4-BE49-F238E27FC236}">
+                <a16:creationId xmlns:a16="http://schemas.microsoft.com/office/drawing/2014/main" id="{46B2926E-4176-4AE1-8D0C-CE7E86D51D5D}"/>
+              </a:ext>
+            </a:extLst>
+          </p:cNvPr>
+          <p:cNvSpPr/>
+          <p:nvPr/>
+        </p:nvSpPr>
+        <p:spPr>
+          <a:xfrm>
+            <a:off x="5485962" y="2490675"/>
+            <a:ext cx="276999" cy="276999"/>
+          </a:xfrm>
+          <a:prstGeom prst="ellipse">
+            <a:avLst/>
+          </a:prstGeom>
+        </p:spPr>
+        <p:style>
+          <a:lnRef idx="2">
+            <a:schemeClr val="accent1">
+              <a:shade val="50000"/>
+            </a:schemeClr>
+          </a:lnRef>
+          <a:fillRef idx="1">
+            <a:schemeClr val="accent1"/>
+          </a:fillRef>
+          <a:effectRef idx="0">
+            <a:schemeClr val="accent1"/>
+          </a:effectRef>
+          <a:fontRef idx="minor">
+            <a:schemeClr val="lt1"/>
+          </a:fontRef>
+        </p:style>
+        <p:txBody>
+          <a:bodyPr rtlCol="0" anchor="ctr"/>
+          <a:lstStyle/>
+          <a:p>
+            <a:pPr algn="ctr"/>
+            <a:endParaRPr lang="en-GB"/>
+          </a:p>
+        </p:txBody>
+      </p:sp>
+      <p:sp>
+        <p:nvSpPr>
+          <p:cNvPr id="31" name="Oval 30">
+            <a:extLst>
+              <a:ext uri="{FF2B5EF4-FFF2-40B4-BE49-F238E27FC236}">
+                <a16:creationId xmlns:a16="http://schemas.microsoft.com/office/drawing/2014/main" id="{9359229D-2D6C-4F61-95BF-259DA40CB1D1}"/>
+              </a:ext>
+            </a:extLst>
+          </p:cNvPr>
+          <p:cNvSpPr/>
+          <p:nvPr/>
+        </p:nvSpPr>
+        <p:spPr>
+          <a:xfrm>
+            <a:off x="5829795" y="2485900"/>
+            <a:ext cx="276999" cy="276999"/>
+          </a:xfrm>
+          <a:prstGeom prst="ellipse">
+            <a:avLst/>
+          </a:prstGeom>
+        </p:spPr>
+        <p:style>
+          <a:lnRef idx="2">
+            <a:schemeClr val="accent1">
+              <a:shade val="50000"/>
+            </a:schemeClr>
+          </a:lnRef>
+          <a:fillRef idx="1">
+            <a:schemeClr val="accent1"/>
+          </a:fillRef>
+          <a:effectRef idx="0">
+            <a:schemeClr val="accent1"/>
+          </a:effectRef>
+          <a:fontRef idx="minor">
+            <a:schemeClr val="lt1"/>
+          </a:fontRef>
+        </p:style>
+        <p:txBody>
+          <a:bodyPr rtlCol="0" anchor="ctr"/>
+          <a:lstStyle/>
+          <a:p>
+            <a:pPr algn="ctr"/>
+            <a:endParaRPr lang="en-GB"/>
+          </a:p>
+        </p:txBody>
+      </p:sp>
+      <p:sp>
+        <p:nvSpPr>
+          <p:cNvPr id="32" name="Oval 31">
+            <a:extLst>
+              <a:ext uri="{FF2B5EF4-FFF2-40B4-BE49-F238E27FC236}">
+                <a16:creationId xmlns:a16="http://schemas.microsoft.com/office/drawing/2014/main" id="{81415907-63E9-4F33-8DB7-46387942914E}"/>
+              </a:ext>
+            </a:extLst>
+          </p:cNvPr>
+          <p:cNvSpPr/>
+          <p:nvPr/>
+        </p:nvSpPr>
+        <p:spPr>
+          <a:xfrm>
+            <a:off x="6178370" y="2493596"/>
+            <a:ext cx="276999" cy="276999"/>
+          </a:xfrm>
+          <a:prstGeom prst="ellipse">
+            <a:avLst/>
+          </a:prstGeom>
+        </p:spPr>
+        <p:style>
+          <a:lnRef idx="2">
+            <a:schemeClr val="accent1">
+              <a:shade val="50000"/>
+            </a:schemeClr>
+          </a:lnRef>
+          <a:fillRef idx="1">
+            <a:schemeClr val="accent1"/>
+          </a:fillRef>
+          <a:effectRef idx="0">
+            <a:schemeClr val="accent1"/>
+          </a:effectRef>
+          <a:fontRef idx="minor">
+            <a:schemeClr val="lt1"/>
+          </a:fontRef>
+        </p:style>
+        <p:txBody>
+          <a:bodyPr rtlCol="0" anchor="ctr"/>
+          <a:lstStyle/>
+          <a:p>
+            <a:pPr algn="ctr"/>
+            <a:endParaRPr lang="en-GB"/>
+          </a:p>
+        </p:txBody>
+      </p:sp>
+      <p:sp>
+        <p:nvSpPr>
+          <p:cNvPr id="33" name="Oval 32">
+            <a:extLst>
+              <a:ext uri="{FF2B5EF4-FFF2-40B4-BE49-F238E27FC236}">
+                <a16:creationId xmlns:a16="http://schemas.microsoft.com/office/drawing/2014/main" id="{AAFF0494-3060-4AEE-9EC2-01E646070440}"/>
+              </a:ext>
+            </a:extLst>
+          </p:cNvPr>
+          <p:cNvSpPr/>
+          <p:nvPr/>
+        </p:nvSpPr>
+        <p:spPr>
+          <a:xfrm>
+            <a:off x="6524156" y="2493596"/>
+            <a:ext cx="276999" cy="276999"/>
+          </a:xfrm>
+          <a:prstGeom prst="ellipse">
+            <a:avLst/>
+          </a:prstGeom>
+        </p:spPr>
+        <p:style>
+          <a:lnRef idx="2">
+            <a:schemeClr val="accent1">
+              <a:shade val="50000"/>
+            </a:schemeClr>
+          </a:lnRef>
+          <a:fillRef idx="1">
+            <a:schemeClr val="accent1"/>
+          </a:fillRef>
+          <a:effectRef idx="0">
+            <a:schemeClr val="accent1"/>
+          </a:effectRef>
+          <a:fontRef idx="minor">
+            <a:schemeClr val="lt1"/>
+          </a:fontRef>
+        </p:style>
+        <p:txBody>
+          <a:bodyPr rtlCol="0" anchor="ctr"/>
+          <a:lstStyle/>
+          <a:p>
+            <a:pPr algn="ctr"/>
+            <a:endParaRPr lang="en-GB"/>
+          </a:p>
+        </p:txBody>
+      </p:sp>
+      <p:sp>
+        <p:nvSpPr>
+          <p:cNvPr id="34" name="Oval 33">
+            <a:extLst>
+              <a:ext uri="{FF2B5EF4-FFF2-40B4-BE49-F238E27FC236}">
+                <a16:creationId xmlns:a16="http://schemas.microsoft.com/office/drawing/2014/main" id="{704C79BC-2435-407A-9F2D-F9223C10C8A5}"/>
+              </a:ext>
+            </a:extLst>
+          </p:cNvPr>
+          <p:cNvSpPr/>
+          <p:nvPr/>
+        </p:nvSpPr>
+        <p:spPr>
+          <a:xfrm>
+            <a:off x="6867989" y="2488821"/>
+            <a:ext cx="276999" cy="276999"/>
+          </a:xfrm>
+          <a:prstGeom prst="ellipse">
+            <a:avLst/>
+          </a:prstGeom>
+        </p:spPr>
+        <p:style>
+          <a:lnRef idx="2">
+            <a:schemeClr val="accent1">
+              <a:shade val="50000"/>
+            </a:schemeClr>
+          </a:lnRef>
+          <a:fillRef idx="1">
+            <a:schemeClr val="accent1"/>
+          </a:fillRef>
+          <a:effectRef idx="0">
+            <a:schemeClr val="accent1"/>
+          </a:effectRef>
+          <a:fontRef idx="minor">
+            <a:schemeClr val="lt1"/>
+          </a:fontRef>
+        </p:style>
+        <p:txBody>
+          <a:bodyPr rtlCol="0" anchor="ctr"/>
+          <a:lstStyle/>
+          <a:p>
+            <a:pPr algn="ctr"/>
+            <a:endParaRPr lang="en-GB"/>
+          </a:p>
+        </p:txBody>
+      </p:sp>
+      <p:sp>
+        <p:nvSpPr>
+          <p:cNvPr id="35" name="TextBox 34">
+            <a:extLst>
+              <a:ext uri="{FF2B5EF4-FFF2-40B4-BE49-F238E27FC236}">
+                <a16:creationId xmlns:a16="http://schemas.microsoft.com/office/drawing/2014/main" id="{6FBD900D-DD0B-4BC8-899A-D5F31F059B1B}"/>
+              </a:ext>
+            </a:extLst>
+          </p:cNvPr>
+          <p:cNvSpPr txBox="1"/>
+          <p:nvPr/>
+        </p:nvSpPr>
+        <p:spPr>
+          <a:xfrm>
+            <a:off x="6302010" y="2111590"/>
+            <a:ext cx="998290" cy="276999"/>
+          </a:xfrm>
+          <a:prstGeom prst="rect">
+            <a:avLst/>
+          </a:prstGeom>
+          <a:noFill/>
+        </p:spPr>
+        <p:txBody>
+          <a:bodyPr wrap="square" rtlCol="0">
+            <a:spAutoFit/>
+          </a:bodyPr>
+          <a:lstStyle/>
+          <a:p>
+            <a:pPr algn="ctr"/>
+            <a:r>
+              <a:rPr lang="en-GB" sz="1200" dirty="0"/>
+              <a:t>Date 11/Nov</a:t>
+            </a:r>
+          </a:p>
+        </p:txBody>
+      </p:sp>
+      <p:sp>
+        <p:nvSpPr>
+          <p:cNvPr id="4" name="Rectangle 3">
+            <a:extLst>
+              <a:ext uri="{FF2B5EF4-FFF2-40B4-BE49-F238E27FC236}">
+                <a16:creationId xmlns:a16="http://schemas.microsoft.com/office/drawing/2014/main" id="{9D950DE2-922C-46BE-BC8C-0B5D8FBD5285}"/>
+              </a:ext>
+            </a:extLst>
+          </p:cNvPr>
+          <p:cNvSpPr/>
+          <p:nvPr/>
+        </p:nvSpPr>
+        <p:spPr>
+          <a:xfrm>
+            <a:off x="5268286" y="3280094"/>
+            <a:ext cx="1803633" cy="807311"/>
+          </a:xfrm>
+          <a:prstGeom prst="rect">
+            <a:avLst/>
+          </a:prstGeom>
+        </p:spPr>
+        <p:style>
+          <a:lnRef idx="2">
+            <a:schemeClr val="accent1">
+              <a:shade val="50000"/>
+            </a:schemeClr>
+          </a:lnRef>
+          <a:fillRef idx="1">
+            <a:schemeClr val="accent1"/>
+          </a:fillRef>
+          <a:effectRef idx="0">
+            <a:schemeClr val="accent1"/>
+          </a:effectRef>
+          <a:fontRef idx="minor">
+            <a:schemeClr val="lt1"/>
+          </a:fontRef>
+        </p:style>
+        <p:txBody>
+          <a:bodyPr rtlCol="0" anchor="ctr"/>
+          <a:lstStyle/>
+          <a:p>
+            <a:pPr algn="ctr"/>
+            <a:r>
+              <a:rPr lang="en-GB" dirty="0"/>
+              <a:t>See all history</a:t>
+            </a:r>
+          </a:p>
+          <a:p>
+            <a:pPr algn="ctr"/>
+            <a:r>
+              <a:rPr lang="en-GB" dirty="0"/>
+              <a:t>(1-2-5-1)</a:t>
+            </a:r>
+          </a:p>
+        </p:txBody>
+      </p:sp>
+    </p:spTree>
+    <p:extLst>
+      <p:ext uri="{BB962C8B-B14F-4D97-AF65-F5344CB8AC3E}">
+        <p14:creationId xmlns:p14="http://schemas.microsoft.com/office/powerpoint/2010/main" val="3117508163"/>
+      </p:ext>
+    </p:extLst>
+  </p:cSld>
+  <p:clrMapOvr>
+    <a:masterClrMapping/>
+  </p:clrMapOvr>
+</p:sld>
+</file>
+
+<file path=ppt/slides/slide13.xml><?xml version="1.0" encoding="utf-8"?>
+<p:sld xmlns:a="http://schemas.openxmlformats.org/drawingml/2006/main" xmlns:r="http://schemas.openxmlformats.org/officeDocument/2006/relationships" xmlns:p="http://schemas.openxmlformats.org/presentationml/2006/main">
+  <p:cSld>
+    <p:spTree>
+      <p:nvGrpSpPr>
+        <p:cNvPr id="1" name=""/>
+        <p:cNvGrpSpPr/>
+        <p:nvPr/>
+      </p:nvGrpSpPr>
+      <p:grpSpPr>
+        <a:xfrm>
+          <a:off x="0" y="0"/>
+          <a:ext cx="0" cy="0"/>
+          <a:chOff x="0" y="0"/>
+          <a:chExt cx="0" cy="0"/>
+        </a:xfrm>
+      </p:grpSpPr>
+      <p:pic>
+        <p:nvPicPr>
+          <p:cNvPr id="8" name="Picture 7" descr="A picture containing text, monitor, electronics, screenshot&#10;&#10;Description automatically generated">
+            <a:extLst>
+              <a:ext uri="{FF2B5EF4-FFF2-40B4-BE49-F238E27FC236}">
+                <a16:creationId xmlns:a16="http://schemas.microsoft.com/office/drawing/2014/main" id="{307B93B5-CEDC-4133-8461-47BC7B302EB0}"/>
+              </a:ext>
+            </a:extLst>
+          </p:cNvPr>
+          <p:cNvPicPr>
+            <a:picLocks noChangeAspect="1"/>
+          </p:cNvPicPr>
+          <p:nvPr/>
+        </p:nvPicPr>
+        <p:blipFill rotWithShape="1">
+          <a:blip r:embed="rId2">
+            <a:extLst>
+              <a:ext uri="{28A0092B-C50C-407E-A947-70E740481C1C}">
+                <a14:useLocalDpi xmlns:a14="http://schemas.microsoft.com/office/drawing/2010/main" val="0"/>
+              </a:ext>
+            </a:extLst>
+          </a:blip>
+          <a:srcRect l="3550" t="1945" b="1250"/>
+          <a:stretch/>
+        </p:blipFill>
+        <p:spPr>
+          <a:xfrm>
+            <a:off x="4777485" y="839979"/>
+            <a:ext cx="2765061" cy="5776911"/>
+          </a:xfrm>
+          <a:prstGeom prst="rect">
+            <a:avLst/>
+          </a:prstGeom>
+        </p:spPr>
+      </p:pic>
+      <p:sp>
+        <p:nvSpPr>
+          <p:cNvPr id="22" name="TextBox 21">
+            <a:extLst>
+              <a:ext uri="{FF2B5EF4-FFF2-40B4-BE49-F238E27FC236}">
+                <a16:creationId xmlns:a16="http://schemas.microsoft.com/office/drawing/2014/main" id="{B2EC04B5-8187-447D-9F33-823DB47307ED}"/>
+              </a:ext>
+            </a:extLst>
+          </p:cNvPr>
+          <p:cNvSpPr txBox="1"/>
+          <p:nvPr/>
+        </p:nvSpPr>
+        <p:spPr>
+          <a:xfrm>
+            <a:off x="277544" y="241110"/>
+            <a:ext cx="3128386" cy="830997"/>
+          </a:xfrm>
+          <a:prstGeom prst="rect">
+            <a:avLst/>
+          </a:prstGeom>
+          <a:noFill/>
+        </p:spPr>
+        <p:txBody>
+          <a:bodyPr wrap="square" rtlCol="0">
+            <a:spAutoFit/>
+          </a:bodyPr>
+          <a:lstStyle/>
+          <a:p>
+            <a:pPr algn="ctr"/>
+            <a:r>
+              <a:rPr lang="en-GB" sz="2400" b="1" dirty="0">
+                <a:latin typeface="Aparajita" panose="020B0502040204020203" pitchFamily="18" charset="0"/>
+                <a:cs typeface="Aparajita" panose="020B0502040204020203" pitchFamily="18" charset="0"/>
+              </a:rPr>
+              <a:t>Winning Numbers history (1-2-5-1)</a:t>
+            </a:r>
+          </a:p>
+        </p:txBody>
+      </p:sp>
+      <p:sp>
+        <p:nvSpPr>
+          <p:cNvPr id="2" name="TextBox 1">
+            <a:extLst>
+              <a:ext uri="{FF2B5EF4-FFF2-40B4-BE49-F238E27FC236}">
+                <a16:creationId xmlns:a16="http://schemas.microsoft.com/office/drawing/2014/main" id="{9948FFD9-D270-4E35-9110-75D7119B902F}"/>
+              </a:ext>
+            </a:extLst>
+          </p:cNvPr>
+          <p:cNvSpPr txBox="1"/>
+          <p:nvPr/>
+        </p:nvSpPr>
+        <p:spPr>
+          <a:xfrm>
+            <a:off x="5655644" y="1601102"/>
+            <a:ext cx="998290" cy="246221"/>
+          </a:xfrm>
+          <a:prstGeom prst="rect">
+            <a:avLst/>
+          </a:prstGeom>
+          <a:noFill/>
+        </p:spPr>
+        <p:txBody>
+          <a:bodyPr wrap="square" rtlCol="0">
+            <a:spAutoFit/>
+          </a:bodyPr>
+          <a:lstStyle/>
+          <a:p>
+            <a:pPr algn="ctr"/>
+            <a:r>
+              <a:rPr lang="en-GB" sz="1000" dirty="0"/>
+              <a:t>Logo</a:t>
+            </a:r>
+          </a:p>
+        </p:txBody>
+      </p:sp>
+      <p:sp>
+        <p:nvSpPr>
+          <p:cNvPr id="16" name="Rectangle: Rounded Corners 15">
+            <a:extLst>
+              <a:ext uri="{FF2B5EF4-FFF2-40B4-BE49-F238E27FC236}">
+                <a16:creationId xmlns:a16="http://schemas.microsoft.com/office/drawing/2014/main" id="{89F3BEB6-FA1F-474B-BD60-93F9D52C35DD}"/>
+              </a:ext>
+            </a:extLst>
+          </p:cNvPr>
+          <p:cNvSpPr/>
+          <p:nvPr/>
+        </p:nvSpPr>
+        <p:spPr>
+          <a:xfrm>
+            <a:off x="4938165" y="1519424"/>
+            <a:ext cx="2435758" cy="409575"/>
+          </a:xfrm>
+          <a:prstGeom prst="roundRect">
+            <a:avLst>
+              <a:gd name="adj" fmla="val 0"/>
+            </a:avLst>
+          </a:prstGeom>
+          <a:solidFill>
+            <a:srgbClr val="931A25"/>
+          </a:solidFill>
+          <a:ln>
+            <a:noFill/>
+          </a:ln>
+        </p:spPr>
+        <p:style>
+          <a:lnRef idx="2">
+            <a:schemeClr val="accent1">
+              <a:shade val="50000"/>
+            </a:schemeClr>
+          </a:lnRef>
+          <a:fillRef idx="1">
+            <a:schemeClr val="accent1"/>
+          </a:fillRef>
+          <a:effectRef idx="0">
+            <a:schemeClr val="accent1"/>
+          </a:effectRef>
+          <a:fontRef idx="minor">
+            <a:schemeClr val="lt1"/>
+          </a:fontRef>
+        </p:style>
+        <p:txBody>
+          <a:bodyPr rtlCol="0" anchor="ctr"/>
+          <a:lstStyle/>
+          <a:p>
+            <a:r>
+              <a:rPr lang="en-GB" sz="1400" dirty="0">
+                <a:latin typeface="Skeena Display" panose="020B0604020202020204" pitchFamily="2" charset="0"/>
+                <a:cs typeface="Aldhabi" panose="020B0604020202020204" pitchFamily="2" charset="-78"/>
+              </a:rPr>
+              <a:t>&lt;-     History</a:t>
+            </a:r>
+          </a:p>
+        </p:txBody>
+      </p:sp>
+      <p:cxnSp>
+        <p:nvCxnSpPr>
+          <p:cNvPr id="25" name="Connector: Elbow 24">
+            <a:extLst>
+              <a:ext uri="{FF2B5EF4-FFF2-40B4-BE49-F238E27FC236}">
+                <a16:creationId xmlns:a16="http://schemas.microsoft.com/office/drawing/2014/main" id="{F95C8CE2-0B6F-42C2-B92A-BF2167A55830}"/>
+              </a:ext>
+            </a:extLst>
+          </p:cNvPr>
+          <p:cNvCxnSpPr>
+            <a:cxnSpLocks/>
+          </p:cNvCxnSpPr>
+          <p:nvPr/>
+        </p:nvCxnSpPr>
+        <p:spPr>
+          <a:xfrm>
+            <a:off x="3788192" y="1540155"/>
+            <a:ext cx="1180017" cy="196896"/>
+          </a:xfrm>
+          <a:prstGeom prst="bentConnector3">
+            <a:avLst>
+              <a:gd name="adj1" fmla="val 50000"/>
+            </a:avLst>
+          </a:prstGeom>
+          <a:ln w="28575">
+            <a:solidFill>
+              <a:srgbClr val="931A25"/>
+            </a:solidFill>
+          </a:ln>
+        </p:spPr>
+        <p:style>
+          <a:lnRef idx="1">
+            <a:schemeClr val="accent1"/>
+          </a:lnRef>
+          <a:fillRef idx="0">
+            <a:schemeClr val="accent1"/>
+          </a:fillRef>
+          <a:effectRef idx="0">
+            <a:schemeClr val="accent1"/>
+          </a:effectRef>
+          <a:fontRef idx="minor">
+            <a:schemeClr val="tx1"/>
+          </a:fontRef>
+        </p:style>
+      </p:cxnSp>
+      <p:sp>
+        <p:nvSpPr>
+          <p:cNvPr id="47" name="TextBox 46">
+            <a:extLst>
+              <a:ext uri="{FF2B5EF4-FFF2-40B4-BE49-F238E27FC236}">
+                <a16:creationId xmlns:a16="http://schemas.microsoft.com/office/drawing/2014/main" id="{E1634ED7-D804-42D5-A8A5-A9CBDE08C9E1}"/>
+              </a:ext>
+            </a:extLst>
+          </p:cNvPr>
+          <p:cNvSpPr txBox="1"/>
+          <p:nvPr/>
+        </p:nvSpPr>
+        <p:spPr>
+          <a:xfrm>
+            <a:off x="1132514" y="1386267"/>
+            <a:ext cx="3042407" cy="307777"/>
+          </a:xfrm>
+          <a:prstGeom prst="rect">
+            <a:avLst/>
+          </a:prstGeom>
+          <a:solidFill>
+            <a:srgbClr val="931A25"/>
+          </a:solidFill>
+          <a:ln w="28575">
+            <a:solidFill>
+              <a:srgbClr val="931A25"/>
+            </a:solidFill>
+          </a:ln>
+        </p:spPr>
+        <p:txBody>
+          <a:bodyPr wrap="square" rtlCol="0">
+            <a:spAutoFit/>
+          </a:bodyPr>
+          <a:lstStyle/>
+          <a:p>
+            <a:pPr algn="just"/>
+            <a:r>
+              <a:rPr lang="en-GB" sz="1400" dirty="0">
+                <a:solidFill>
+                  <a:schemeClr val="bg1"/>
+                </a:solidFill>
+                <a:latin typeface="Skeena Display" panose="020B0604020202020204" pitchFamily="2" charset="0"/>
+                <a:cs typeface="Aldhabi" panose="020B0604020202020204" pitchFamily="2" charset="-78"/>
+              </a:rPr>
+              <a:t>1. Stack Navigator and Title</a:t>
+            </a:r>
+          </a:p>
+        </p:txBody>
+      </p:sp>
+      <p:sp>
+        <p:nvSpPr>
+          <p:cNvPr id="50" name="Rectangle: Rounded Corners 49">
+            <a:extLst>
+              <a:ext uri="{FF2B5EF4-FFF2-40B4-BE49-F238E27FC236}">
+                <a16:creationId xmlns:a16="http://schemas.microsoft.com/office/drawing/2014/main" id="{B40AE29B-A446-4BB7-8C3D-AD0342C7611D}"/>
+              </a:ext>
+            </a:extLst>
+          </p:cNvPr>
+          <p:cNvSpPr/>
+          <p:nvPr/>
+        </p:nvSpPr>
+        <p:spPr>
+          <a:xfrm>
+            <a:off x="4938165" y="5603652"/>
+            <a:ext cx="2435758" cy="384376"/>
+          </a:xfrm>
+          <a:prstGeom prst="roundRect">
+            <a:avLst>
+              <a:gd name="adj" fmla="val 0"/>
+            </a:avLst>
+          </a:prstGeom>
+          <a:solidFill>
+            <a:srgbClr val="931A25"/>
+          </a:solidFill>
+          <a:ln>
+            <a:noFill/>
+          </a:ln>
+        </p:spPr>
+        <p:style>
+          <a:lnRef idx="2">
+            <a:schemeClr val="accent1">
+              <a:shade val="50000"/>
+            </a:schemeClr>
+          </a:lnRef>
+          <a:fillRef idx="1">
+            <a:schemeClr val="accent1"/>
+          </a:fillRef>
+          <a:effectRef idx="0">
+            <a:schemeClr val="accent1"/>
+          </a:effectRef>
+          <a:fontRef idx="minor">
+            <a:schemeClr val="lt1"/>
+          </a:fontRef>
+        </p:style>
+        <p:txBody>
+          <a:bodyPr rtlCol="0" anchor="ctr"/>
+          <a:lstStyle/>
+          <a:p>
+            <a:pPr algn="ctr"/>
+            <a:r>
+              <a:rPr lang="en-GB" sz="1000" dirty="0">
+                <a:latin typeface="Skeena Display" panose="020B0604020202020204" pitchFamily="2" charset="0"/>
+                <a:cs typeface="Aldhabi" panose="020B0604020202020204" pitchFamily="2" charset="-78"/>
+              </a:rPr>
+              <a:t>[Home]  [Event]  [My room]  [Purchase]</a:t>
+            </a:r>
+          </a:p>
+          <a:p>
+            <a:r>
+              <a:rPr lang="en-GB" sz="1000" dirty="0">
+                <a:latin typeface="Skeena Display" panose="020B0604020202020204" pitchFamily="2" charset="0"/>
+                <a:cs typeface="Aldhabi" panose="020B0604020202020204" pitchFamily="2" charset="-78"/>
+              </a:rPr>
+              <a:t>       [1-2]      [1-2-7]     [1-2-1 ]        [1-2-9]</a:t>
+            </a:r>
+          </a:p>
+        </p:txBody>
+      </p:sp>
+      <p:sp>
+        <p:nvSpPr>
+          <p:cNvPr id="13" name="TextBox 12">
+            <a:extLst>
+              <a:ext uri="{FF2B5EF4-FFF2-40B4-BE49-F238E27FC236}">
+                <a16:creationId xmlns:a16="http://schemas.microsoft.com/office/drawing/2014/main" id="{F0F97C7F-2232-4F19-A62F-9079DF6D51FB}"/>
+              </a:ext>
+            </a:extLst>
+          </p:cNvPr>
+          <p:cNvSpPr txBox="1"/>
+          <p:nvPr/>
+        </p:nvSpPr>
+        <p:spPr>
+          <a:xfrm>
+            <a:off x="4936078" y="2129671"/>
+            <a:ext cx="998290" cy="276999"/>
+          </a:xfrm>
+          <a:prstGeom prst="rect">
+            <a:avLst/>
+          </a:prstGeom>
+          <a:noFill/>
+        </p:spPr>
+        <p:txBody>
+          <a:bodyPr wrap="square" rtlCol="0">
+            <a:spAutoFit/>
+          </a:bodyPr>
+          <a:lstStyle/>
+          <a:p>
+            <a:pPr algn="ctr"/>
+            <a:r>
+              <a:rPr lang="en-GB" sz="1200" dirty="0"/>
+              <a:t>Round 235</a:t>
+            </a:r>
+          </a:p>
+        </p:txBody>
+      </p:sp>
+      <p:sp>
+        <p:nvSpPr>
+          <p:cNvPr id="3" name="Oval 2">
+            <a:extLst>
+              <a:ext uri="{FF2B5EF4-FFF2-40B4-BE49-F238E27FC236}">
+                <a16:creationId xmlns:a16="http://schemas.microsoft.com/office/drawing/2014/main" id="{EBEE513E-69B4-4FF0-99DC-B2FDCDA3961C}"/>
+              </a:ext>
+            </a:extLst>
+          </p:cNvPr>
+          <p:cNvSpPr/>
+          <p:nvPr/>
+        </p:nvSpPr>
+        <p:spPr>
+          <a:xfrm>
+            <a:off x="5140176" y="2490675"/>
+            <a:ext cx="276999" cy="276999"/>
+          </a:xfrm>
+          <a:prstGeom prst="ellipse">
+            <a:avLst/>
+          </a:prstGeom>
+        </p:spPr>
+        <p:style>
+          <a:lnRef idx="2">
+            <a:schemeClr val="accent1">
+              <a:shade val="50000"/>
+            </a:schemeClr>
+          </a:lnRef>
+          <a:fillRef idx="1">
+            <a:schemeClr val="accent1"/>
+          </a:fillRef>
+          <a:effectRef idx="0">
+            <a:schemeClr val="accent1"/>
+          </a:effectRef>
+          <a:fontRef idx="minor">
+            <a:schemeClr val="lt1"/>
+          </a:fontRef>
+        </p:style>
+        <p:txBody>
+          <a:bodyPr rtlCol="0" anchor="ctr"/>
+          <a:lstStyle/>
+          <a:p>
+            <a:pPr algn="ctr"/>
+            <a:endParaRPr lang="en-GB"/>
+          </a:p>
+        </p:txBody>
+      </p:sp>
+      <p:sp>
+        <p:nvSpPr>
+          <p:cNvPr id="30" name="Oval 29">
+            <a:extLst>
+              <a:ext uri="{FF2B5EF4-FFF2-40B4-BE49-F238E27FC236}">
+                <a16:creationId xmlns:a16="http://schemas.microsoft.com/office/drawing/2014/main" id="{46B2926E-4176-4AE1-8D0C-CE7E86D51D5D}"/>
+              </a:ext>
+            </a:extLst>
+          </p:cNvPr>
+          <p:cNvSpPr/>
+          <p:nvPr/>
+        </p:nvSpPr>
+        <p:spPr>
+          <a:xfrm>
+            <a:off x="5485962" y="2490675"/>
+            <a:ext cx="276999" cy="276999"/>
+          </a:xfrm>
+          <a:prstGeom prst="ellipse">
+            <a:avLst/>
+          </a:prstGeom>
+        </p:spPr>
+        <p:style>
+          <a:lnRef idx="2">
+            <a:schemeClr val="accent1">
+              <a:shade val="50000"/>
+            </a:schemeClr>
+          </a:lnRef>
+          <a:fillRef idx="1">
+            <a:schemeClr val="accent1"/>
+          </a:fillRef>
+          <a:effectRef idx="0">
+            <a:schemeClr val="accent1"/>
+          </a:effectRef>
+          <a:fontRef idx="minor">
+            <a:schemeClr val="lt1"/>
+          </a:fontRef>
+        </p:style>
+        <p:txBody>
+          <a:bodyPr rtlCol="0" anchor="ctr"/>
+          <a:lstStyle/>
+          <a:p>
+            <a:pPr algn="ctr"/>
+            <a:endParaRPr lang="en-GB"/>
+          </a:p>
+        </p:txBody>
+      </p:sp>
+      <p:sp>
+        <p:nvSpPr>
+          <p:cNvPr id="31" name="Oval 30">
+            <a:extLst>
+              <a:ext uri="{FF2B5EF4-FFF2-40B4-BE49-F238E27FC236}">
+                <a16:creationId xmlns:a16="http://schemas.microsoft.com/office/drawing/2014/main" id="{9359229D-2D6C-4F61-95BF-259DA40CB1D1}"/>
+              </a:ext>
+            </a:extLst>
+          </p:cNvPr>
+          <p:cNvSpPr/>
+          <p:nvPr/>
+        </p:nvSpPr>
+        <p:spPr>
+          <a:xfrm>
+            <a:off x="5829795" y="2485900"/>
+            <a:ext cx="276999" cy="276999"/>
+          </a:xfrm>
+          <a:prstGeom prst="ellipse">
+            <a:avLst/>
+          </a:prstGeom>
+        </p:spPr>
+        <p:style>
+          <a:lnRef idx="2">
+            <a:schemeClr val="accent1">
+              <a:shade val="50000"/>
+            </a:schemeClr>
+          </a:lnRef>
+          <a:fillRef idx="1">
+            <a:schemeClr val="accent1"/>
+          </a:fillRef>
+          <a:effectRef idx="0">
+            <a:schemeClr val="accent1"/>
+          </a:effectRef>
+          <a:fontRef idx="minor">
+            <a:schemeClr val="lt1"/>
+          </a:fontRef>
+        </p:style>
+        <p:txBody>
+          <a:bodyPr rtlCol="0" anchor="ctr"/>
+          <a:lstStyle/>
+          <a:p>
+            <a:pPr algn="ctr"/>
+            <a:endParaRPr lang="en-GB"/>
+          </a:p>
+        </p:txBody>
+      </p:sp>
+      <p:sp>
+        <p:nvSpPr>
+          <p:cNvPr id="32" name="Oval 31">
+            <a:extLst>
+              <a:ext uri="{FF2B5EF4-FFF2-40B4-BE49-F238E27FC236}">
+                <a16:creationId xmlns:a16="http://schemas.microsoft.com/office/drawing/2014/main" id="{81415907-63E9-4F33-8DB7-46387942914E}"/>
+              </a:ext>
+            </a:extLst>
+          </p:cNvPr>
+          <p:cNvSpPr/>
+          <p:nvPr/>
+        </p:nvSpPr>
+        <p:spPr>
+          <a:xfrm>
+            <a:off x="6178370" y="2493596"/>
+            <a:ext cx="276999" cy="276999"/>
+          </a:xfrm>
+          <a:prstGeom prst="ellipse">
+            <a:avLst/>
+          </a:prstGeom>
+        </p:spPr>
+        <p:style>
+          <a:lnRef idx="2">
+            <a:schemeClr val="accent1">
+              <a:shade val="50000"/>
+            </a:schemeClr>
+          </a:lnRef>
+          <a:fillRef idx="1">
+            <a:schemeClr val="accent1"/>
+          </a:fillRef>
+          <a:effectRef idx="0">
+            <a:schemeClr val="accent1"/>
+          </a:effectRef>
+          <a:fontRef idx="minor">
+            <a:schemeClr val="lt1"/>
+          </a:fontRef>
+        </p:style>
+        <p:txBody>
+          <a:bodyPr rtlCol="0" anchor="ctr"/>
+          <a:lstStyle/>
+          <a:p>
+            <a:pPr algn="ctr"/>
+            <a:endParaRPr lang="en-GB"/>
+          </a:p>
+        </p:txBody>
+      </p:sp>
+      <p:sp>
+        <p:nvSpPr>
+          <p:cNvPr id="33" name="Oval 32">
+            <a:extLst>
+              <a:ext uri="{FF2B5EF4-FFF2-40B4-BE49-F238E27FC236}">
+                <a16:creationId xmlns:a16="http://schemas.microsoft.com/office/drawing/2014/main" id="{AAFF0494-3060-4AEE-9EC2-01E646070440}"/>
+              </a:ext>
+            </a:extLst>
+          </p:cNvPr>
+          <p:cNvSpPr/>
+          <p:nvPr/>
+        </p:nvSpPr>
+        <p:spPr>
+          <a:xfrm>
+            <a:off x="6524156" y="2493596"/>
+            <a:ext cx="276999" cy="276999"/>
+          </a:xfrm>
+          <a:prstGeom prst="ellipse">
+            <a:avLst/>
+          </a:prstGeom>
+        </p:spPr>
+        <p:style>
+          <a:lnRef idx="2">
+            <a:schemeClr val="accent1">
+              <a:shade val="50000"/>
+            </a:schemeClr>
+          </a:lnRef>
+          <a:fillRef idx="1">
+            <a:schemeClr val="accent1"/>
+          </a:fillRef>
+          <a:effectRef idx="0">
+            <a:schemeClr val="accent1"/>
+          </a:effectRef>
+          <a:fontRef idx="minor">
+            <a:schemeClr val="lt1"/>
+          </a:fontRef>
+        </p:style>
+        <p:txBody>
+          <a:bodyPr rtlCol="0" anchor="ctr"/>
+          <a:lstStyle/>
+          <a:p>
+            <a:pPr algn="ctr"/>
+            <a:endParaRPr lang="en-GB"/>
+          </a:p>
+        </p:txBody>
+      </p:sp>
+      <p:sp>
+        <p:nvSpPr>
+          <p:cNvPr id="34" name="Oval 33">
+            <a:extLst>
+              <a:ext uri="{FF2B5EF4-FFF2-40B4-BE49-F238E27FC236}">
+                <a16:creationId xmlns:a16="http://schemas.microsoft.com/office/drawing/2014/main" id="{704C79BC-2435-407A-9F2D-F9223C10C8A5}"/>
+              </a:ext>
+            </a:extLst>
+          </p:cNvPr>
+          <p:cNvSpPr/>
+          <p:nvPr/>
+        </p:nvSpPr>
+        <p:spPr>
+          <a:xfrm>
+            <a:off x="6867989" y="2488821"/>
+            <a:ext cx="276999" cy="276999"/>
+          </a:xfrm>
+          <a:prstGeom prst="ellipse">
+            <a:avLst/>
+          </a:prstGeom>
+        </p:spPr>
+        <p:style>
+          <a:lnRef idx="2">
+            <a:schemeClr val="accent1">
+              <a:shade val="50000"/>
+            </a:schemeClr>
+          </a:lnRef>
+          <a:fillRef idx="1">
+            <a:schemeClr val="accent1"/>
+          </a:fillRef>
+          <a:effectRef idx="0">
+            <a:schemeClr val="accent1"/>
+          </a:effectRef>
+          <a:fontRef idx="minor">
+            <a:schemeClr val="lt1"/>
+          </a:fontRef>
+        </p:style>
+        <p:txBody>
+          <a:bodyPr rtlCol="0" anchor="ctr"/>
+          <a:lstStyle/>
+          <a:p>
+            <a:pPr algn="ctr"/>
+            <a:endParaRPr lang="en-GB"/>
+          </a:p>
+        </p:txBody>
+      </p:sp>
+      <p:sp>
+        <p:nvSpPr>
+          <p:cNvPr id="35" name="TextBox 34">
+            <a:extLst>
+              <a:ext uri="{FF2B5EF4-FFF2-40B4-BE49-F238E27FC236}">
+                <a16:creationId xmlns:a16="http://schemas.microsoft.com/office/drawing/2014/main" id="{6FBD900D-DD0B-4BC8-899A-D5F31F059B1B}"/>
+              </a:ext>
+            </a:extLst>
+          </p:cNvPr>
+          <p:cNvSpPr txBox="1"/>
+          <p:nvPr/>
+        </p:nvSpPr>
+        <p:spPr>
+          <a:xfrm>
+            <a:off x="6302010" y="2111590"/>
+            <a:ext cx="998290" cy="276999"/>
+          </a:xfrm>
+          <a:prstGeom prst="rect">
+            <a:avLst/>
+          </a:prstGeom>
+          <a:noFill/>
+        </p:spPr>
+        <p:txBody>
+          <a:bodyPr wrap="square" rtlCol="0">
+            <a:spAutoFit/>
+          </a:bodyPr>
+          <a:lstStyle/>
+          <a:p>
+            <a:pPr algn="ctr"/>
+            <a:r>
+              <a:rPr lang="en-GB" sz="1200" dirty="0"/>
+              <a:t>Date 11/Nov</a:t>
+            </a:r>
+          </a:p>
+        </p:txBody>
+      </p:sp>
+      <p:sp>
+        <p:nvSpPr>
+          <p:cNvPr id="44" name="TextBox 43">
+            <a:extLst>
+              <a:ext uri="{FF2B5EF4-FFF2-40B4-BE49-F238E27FC236}">
+                <a16:creationId xmlns:a16="http://schemas.microsoft.com/office/drawing/2014/main" id="{C57E199F-075C-4BE1-9EBE-54F9FB8E0C62}"/>
+              </a:ext>
+            </a:extLst>
+          </p:cNvPr>
+          <p:cNvSpPr txBox="1"/>
+          <p:nvPr/>
+        </p:nvSpPr>
+        <p:spPr>
+          <a:xfrm>
+            <a:off x="4963542" y="2994629"/>
+            <a:ext cx="998290" cy="276999"/>
+          </a:xfrm>
+          <a:prstGeom prst="rect">
+            <a:avLst/>
+          </a:prstGeom>
+          <a:noFill/>
+        </p:spPr>
+        <p:txBody>
+          <a:bodyPr wrap="square" rtlCol="0">
+            <a:spAutoFit/>
+          </a:bodyPr>
+          <a:lstStyle/>
+          <a:p>
+            <a:pPr algn="ctr"/>
+            <a:r>
+              <a:rPr lang="en-GB" sz="1200" dirty="0"/>
+              <a:t>Round 234</a:t>
+            </a:r>
+          </a:p>
+        </p:txBody>
+      </p:sp>
+      <p:sp>
+        <p:nvSpPr>
+          <p:cNvPr id="45" name="Oval 44">
+            <a:extLst>
+              <a:ext uri="{FF2B5EF4-FFF2-40B4-BE49-F238E27FC236}">
+                <a16:creationId xmlns:a16="http://schemas.microsoft.com/office/drawing/2014/main" id="{B8F5F7C7-2ED4-4227-8EDA-F43FC310D57F}"/>
+              </a:ext>
+            </a:extLst>
+          </p:cNvPr>
+          <p:cNvSpPr/>
+          <p:nvPr/>
+        </p:nvSpPr>
+        <p:spPr>
+          <a:xfrm>
+            <a:off x="5167640" y="3355633"/>
+            <a:ext cx="276999" cy="276999"/>
+          </a:xfrm>
+          <a:prstGeom prst="ellipse">
+            <a:avLst/>
+          </a:prstGeom>
+        </p:spPr>
+        <p:style>
+          <a:lnRef idx="2">
+            <a:schemeClr val="accent1">
+              <a:shade val="50000"/>
+            </a:schemeClr>
+          </a:lnRef>
+          <a:fillRef idx="1">
+            <a:schemeClr val="accent1"/>
+          </a:fillRef>
+          <a:effectRef idx="0">
+            <a:schemeClr val="accent1"/>
+          </a:effectRef>
+          <a:fontRef idx="minor">
+            <a:schemeClr val="lt1"/>
+          </a:fontRef>
+        </p:style>
+        <p:txBody>
+          <a:bodyPr rtlCol="0" anchor="ctr"/>
+          <a:lstStyle/>
+          <a:p>
+            <a:pPr algn="ctr"/>
+            <a:endParaRPr lang="en-GB"/>
+          </a:p>
+        </p:txBody>
+      </p:sp>
+      <p:sp>
+        <p:nvSpPr>
+          <p:cNvPr id="46" name="Oval 45">
+            <a:extLst>
+              <a:ext uri="{FF2B5EF4-FFF2-40B4-BE49-F238E27FC236}">
+                <a16:creationId xmlns:a16="http://schemas.microsoft.com/office/drawing/2014/main" id="{EB2B5495-8992-49D5-92D2-C58BF9AC7ED4}"/>
+              </a:ext>
+            </a:extLst>
+          </p:cNvPr>
+          <p:cNvSpPr/>
+          <p:nvPr/>
+        </p:nvSpPr>
+        <p:spPr>
+          <a:xfrm>
+            <a:off x="5513426" y="3355633"/>
+            <a:ext cx="276999" cy="276999"/>
+          </a:xfrm>
+          <a:prstGeom prst="ellipse">
+            <a:avLst/>
+          </a:prstGeom>
+        </p:spPr>
+        <p:style>
+          <a:lnRef idx="2">
+            <a:schemeClr val="accent1">
+              <a:shade val="50000"/>
+            </a:schemeClr>
+          </a:lnRef>
+          <a:fillRef idx="1">
+            <a:schemeClr val="accent1"/>
+          </a:fillRef>
+          <a:effectRef idx="0">
+            <a:schemeClr val="accent1"/>
+          </a:effectRef>
+          <a:fontRef idx="minor">
+            <a:schemeClr val="lt1"/>
+          </a:fontRef>
+        </p:style>
+        <p:txBody>
+          <a:bodyPr rtlCol="0" anchor="ctr"/>
+          <a:lstStyle/>
+          <a:p>
+            <a:pPr algn="ctr"/>
+            <a:endParaRPr lang="en-GB"/>
+          </a:p>
+        </p:txBody>
+      </p:sp>
+      <p:sp>
+        <p:nvSpPr>
+          <p:cNvPr id="48" name="Oval 47">
+            <a:extLst>
+              <a:ext uri="{FF2B5EF4-FFF2-40B4-BE49-F238E27FC236}">
+                <a16:creationId xmlns:a16="http://schemas.microsoft.com/office/drawing/2014/main" id="{E1A48CF4-C47F-4F63-8506-3C788B17024B}"/>
+              </a:ext>
+            </a:extLst>
+          </p:cNvPr>
+          <p:cNvSpPr/>
+          <p:nvPr/>
+        </p:nvSpPr>
+        <p:spPr>
+          <a:xfrm>
+            <a:off x="5857259" y="3350858"/>
+            <a:ext cx="276999" cy="276999"/>
+          </a:xfrm>
+          <a:prstGeom prst="ellipse">
+            <a:avLst/>
+          </a:prstGeom>
+        </p:spPr>
+        <p:style>
+          <a:lnRef idx="2">
+            <a:schemeClr val="accent1">
+              <a:shade val="50000"/>
+            </a:schemeClr>
+          </a:lnRef>
+          <a:fillRef idx="1">
+            <a:schemeClr val="accent1"/>
+          </a:fillRef>
+          <a:effectRef idx="0">
+            <a:schemeClr val="accent1"/>
+          </a:effectRef>
+          <a:fontRef idx="minor">
+            <a:schemeClr val="lt1"/>
+          </a:fontRef>
+        </p:style>
+        <p:txBody>
+          <a:bodyPr rtlCol="0" anchor="ctr"/>
+          <a:lstStyle/>
+          <a:p>
+            <a:pPr algn="ctr"/>
+            <a:endParaRPr lang="en-GB"/>
+          </a:p>
+        </p:txBody>
+      </p:sp>
+      <p:sp>
+        <p:nvSpPr>
+          <p:cNvPr id="49" name="Oval 48">
+            <a:extLst>
+              <a:ext uri="{FF2B5EF4-FFF2-40B4-BE49-F238E27FC236}">
+                <a16:creationId xmlns:a16="http://schemas.microsoft.com/office/drawing/2014/main" id="{9453514A-CC63-43FB-86C8-09654A4ED5CB}"/>
+              </a:ext>
+            </a:extLst>
+          </p:cNvPr>
+          <p:cNvSpPr/>
+          <p:nvPr/>
+        </p:nvSpPr>
+        <p:spPr>
+          <a:xfrm>
+            <a:off x="6205834" y="3358554"/>
+            <a:ext cx="276999" cy="276999"/>
+          </a:xfrm>
+          <a:prstGeom prst="ellipse">
+            <a:avLst/>
+          </a:prstGeom>
+        </p:spPr>
+        <p:style>
+          <a:lnRef idx="2">
+            <a:schemeClr val="accent1">
+              <a:shade val="50000"/>
+            </a:schemeClr>
+          </a:lnRef>
+          <a:fillRef idx="1">
+            <a:schemeClr val="accent1"/>
+          </a:fillRef>
+          <a:effectRef idx="0">
+            <a:schemeClr val="accent1"/>
+          </a:effectRef>
+          <a:fontRef idx="minor">
+            <a:schemeClr val="lt1"/>
+          </a:fontRef>
+        </p:style>
+        <p:txBody>
+          <a:bodyPr rtlCol="0" anchor="ctr"/>
+          <a:lstStyle/>
+          <a:p>
+            <a:pPr algn="ctr"/>
+            <a:endParaRPr lang="en-GB"/>
+          </a:p>
+        </p:txBody>
+      </p:sp>
+      <p:sp>
+        <p:nvSpPr>
+          <p:cNvPr id="51" name="Oval 50">
+            <a:extLst>
+              <a:ext uri="{FF2B5EF4-FFF2-40B4-BE49-F238E27FC236}">
+                <a16:creationId xmlns:a16="http://schemas.microsoft.com/office/drawing/2014/main" id="{78896F3A-2002-424A-87A6-947EC31C009F}"/>
+              </a:ext>
+            </a:extLst>
+          </p:cNvPr>
+          <p:cNvSpPr/>
+          <p:nvPr/>
+        </p:nvSpPr>
+        <p:spPr>
+          <a:xfrm>
+            <a:off x="6551620" y="3358554"/>
+            <a:ext cx="276999" cy="276999"/>
+          </a:xfrm>
+          <a:prstGeom prst="ellipse">
+            <a:avLst/>
+          </a:prstGeom>
+        </p:spPr>
+        <p:style>
+          <a:lnRef idx="2">
+            <a:schemeClr val="accent1">
+              <a:shade val="50000"/>
+            </a:schemeClr>
+          </a:lnRef>
+          <a:fillRef idx="1">
+            <a:schemeClr val="accent1"/>
+          </a:fillRef>
+          <a:effectRef idx="0">
+            <a:schemeClr val="accent1"/>
+          </a:effectRef>
+          <a:fontRef idx="minor">
+            <a:schemeClr val="lt1"/>
+          </a:fontRef>
+        </p:style>
+        <p:txBody>
+          <a:bodyPr rtlCol="0" anchor="ctr"/>
+          <a:lstStyle/>
+          <a:p>
+            <a:pPr algn="ctr"/>
+            <a:endParaRPr lang="en-GB"/>
+          </a:p>
+        </p:txBody>
+      </p:sp>
+      <p:sp>
+        <p:nvSpPr>
+          <p:cNvPr id="52" name="Oval 51">
+            <a:extLst>
+              <a:ext uri="{FF2B5EF4-FFF2-40B4-BE49-F238E27FC236}">
+                <a16:creationId xmlns:a16="http://schemas.microsoft.com/office/drawing/2014/main" id="{DC5F3B5B-B2A6-406C-A2AE-BD8BEF209089}"/>
+              </a:ext>
+            </a:extLst>
+          </p:cNvPr>
+          <p:cNvSpPr/>
+          <p:nvPr/>
+        </p:nvSpPr>
+        <p:spPr>
+          <a:xfrm>
+            <a:off x="6895453" y="3353779"/>
+            <a:ext cx="276999" cy="276999"/>
+          </a:xfrm>
+          <a:prstGeom prst="ellipse">
+            <a:avLst/>
+          </a:prstGeom>
+        </p:spPr>
+        <p:style>
+          <a:lnRef idx="2">
+            <a:schemeClr val="accent1">
+              <a:shade val="50000"/>
+            </a:schemeClr>
+          </a:lnRef>
+          <a:fillRef idx="1">
+            <a:schemeClr val="accent1"/>
+          </a:fillRef>
+          <a:effectRef idx="0">
+            <a:schemeClr val="accent1"/>
+          </a:effectRef>
+          <a:fontRef idx="minor">
+            <a:schemeClr val="lt1"/>
+          </a:fontRef>
+        </p:style>
+        <p:txBody>
+          <a:bodyPr rtlCol="0" anchor="ctr"/>
+          <a:lstStyle/>
+          <a:p>
+            <a:pPr algn="ctr"/>
+            <a:endParaRPr lang="en-GB"/>
+          </a:p>
+        </p:txBody>
+      </p:sp>
+      <p:sp>
+        <p:nvSpPr>
+          <p:cNvPr id="53" name="TextBox 52">
+            <a:extLst>
+              <a:ext uri="{FF2B5EF4-FFF2-40B4-BE49-F238E27FC236}">
+                <a16:creationId xmlns:a16="http://schemas.microsoft.com/office/drawing/2014/main" id="{3A4098D7-88DD-4ED9-897B-D90092E260DA}"/>
+              </a:ext>
+            </a:extLst>
+          </p:cNvPr>
+          <p:cNvSpPr txBox="1"/>
+          <p:nvPr/>
+        </p:nvSpPr>
+        <p:spPr>
+          <a:xfrm>
+            <a:off x="6329474" y="2976548"/>
+            <a:ext cx="998290" cy="276999"/>
+          </a:xfrm>
+          <a:prstGeom prst="rect">
+            <a:avLst/>
+          </a:prstGeom>
+          <a:noFill/>
+        </p:spPr>
+        <p:txBody>
+          <a:bodyPr wrap="square" rtlCol="0">
+            <a:spAutoFit/>
+          </a:bodyPr>
+          <a:lstStyle/>
+          <a:p>
+            <a:pPr algn="ctr"/>
+            <a:r>
+              <a:rPr lang="en-GB" sz="1200" dirty="0"/>
+              <a:t>Date 10/Nov</a:t>
+            </a:r>
+          </a:p>
+        </p:txBody>
+      </p:sp>
+      <p:sp>
+        <p:nvSpPr>
+          <p:cNvPr id="54" name="TextBox 53">
+            <a:extLst>
+              <a:ext uri="{FF2B5EF4-FFF2-40B4-BE49-F238E27FC236}">
+                <a16:creationId xmlns:a16="http://schemas.microsoft.com/office/drawing/2014/main" id="{201017B6-B4D9-4956-993F-DC2B22C089C9}"/>
+              </a:ext>
+            </a:extLst>
+          </p:cNvPr>
+          <p:cNvSpPr txBox="1"/>
+          <p:nvPr/>
+        </p:nvSpPr>
+        <p:spPr>
+          <a:xfrm>
+            <a:off x="4964596" y="3887197"/>
+            <a:ext cx="998290" cy="276999"/>
+          </a:xfrm>
+          <a:prstGeom prst="rect">
+            <a:avLst/>
+          </a:prstGeom>
+          <a:noFill/>
+        </p:spPr>
+        <p:txBody>
+          <a:bodyPr wrap="square" rtlCol="0">
+            <a:spAutoFit/>
+          </a:bodyPr>
+          <a:lstStyle/>
+          <a:p>
+            <a:pPr algn="ctr"/>
+            <a:r>
+              <a:rPr lang="en-GB" sz="1200" dirty="0"/>
+              <a:t>Round 232</a:t>
+            </a:r>
+          </a:p>
+        </p:txBody>
+      </p:sp>
+      <p:sp>
+        <p:nvSpPr>
+          <p:cNvPr id="55" name="Oval 54">
+            <a:extLst>
+              <a:ext uri="{FF2B5EF4-FFF2-40B4-BE49-F238E27FC236}">
+                <a16:creationId xmlns:a16="http://schemas.microsoft.com/office/drawing/2014/main" id="{3E12624A-C626-4142-8D3F-17CDB198E54B}"/>
+              </a:ext>
+            </a:extLst>
+          </p:cNvPr>
+          <p:cNvSpPr/>
+          <p:nvPr/>
+        </p:nvSpPr>
+        <p:spPr>
+          <a:xfrm>
+            <a:off x="5168694" y="4248201"/>
+            <a:ext cx="276999" cy="276999"/>
+          </a:xfrm>
+          <a:prstGeom prst="ellipse">
+            <a:avLst/>
+          </a:prstGeom>
+        </p:spPr>
+        <p:style>
+          <a:lnRef idx="2">
+            <a:schemeClr val="accent1">
+              <a:shade val="50000"/>
+            </a:schemeClr>
+          </a:lnRef>
+          <a:fillRef idx="1">
+            <a:schemeClr val="accent1"/>
+          </a:fillRef>
+          <a:effectRef idx="0">
+            <a:schemeClr val="accent1"/>
+          </a:effectRef>
+          <a:fontRef idx="minor">
+            <a:schemeClr val="lt1"/>
+          </a:fontRef>
+        </p:style>
+        <p:txBody>
+          <a:bodyPr rtlCol="0" anchor="ctr"/>
+          <a:lstStyle/>
+          <a:p>
+            <a:pPr algn="ctr"/>
+            <a:endParaRPr lang="en-GB"/>
+          </a:p>
+        </p:txBody>
+      </p:sp>
+      <p:sp>
+        <p:nvSpPr>
+          <p:cNvPr id="56" name="Oval 55">
+            <a:extLst>
+              <a:ext uri="{FF2B5EF4-FFF2-40B4-BE49-F238E27FC236}">
+                <a16:creationId xmlns:a16="http://schemas.microsoft.com/office/drawing/2014/main" id="{63086DC3-FF6F-4486-BE7F-0A1C067639A5}"/>
+              </a:ext>
+            </a:extLst>
+          </p:cNvPr>
+          <p:cNvSpPr/>
+          <p:nvPr/>
+        </p:nvSpPr>
+        <p:spPr>
+          <a:xfrm>
+            <a:off x="5514480" y="4248201"/>
+            <a:ext cx="276999" cy="276999"/>
+          </a:xfrm>
+          <a:prstGeom prst="ellipse">
+            <a:avLst/>
+          </a:prstGeom>
+        </p:spPr>
+        <p:style>
+          <a:lnRef idx="2">
+            <a:schemeClr val="accent1">
+              <a:shade val="50000"/>
+            </a:schemeClr>
+          </a:lnRef>
+          <a:fillRef idx="1">
+            <a:schemeClr val="accent1"/>
+          </a:fillRef>
+          <a:effectRef idx="0">
+            <a:schemeClr val="accent1"/>
+          </a:effectRef>
+          <a:fontRef idx="minor">
+            <a:schemeClr val="lt1"/>
+          </a:fontRef>
+        </p:style>
+        <p:txBody>
+          <a:bodyPr rtlCol="0" anchor="ctr"/>
+          <a:lstStyle/>
+          <a:p>
+            <a:pPr algn="ctr"/>
+            <a:endParaRPr lang="en-GB"/>
+          </a:p>
+        </p:txBody>
+      </p:sp>
+      <p:sp>
+        <p:nvSpPr>
+          <p:cNvPr id="57" name="Oval 56">
+            <a:extLst>
+              <a:ext uri="{FF2B5EF4-FFF2-40B4-BE49-F238E27FC236}">
+                <a16:creationId xmlns:a16="http://schemas.microsoft.com/office/drawing/2014/main" id="{210EB673-5757-431B-93B9-E1A830463B84}"/>
+              </a:ext>
+            </a:extLst>
+          </p:cNvPr>
+          <p:cNvSpPr/>
+          <p:nvPr/>
+        </p:nvSpPr>
+        <p:spPr>
+          <a:xfrm>
+            <a:off x="5858313" y="4243426"/>
+            <a:ext cx="276999" cy="276999"/>
+          </a:xfrm>
+          <a:prstGeom prst="ellipse">
+            <a:avLst/>
+          </a:prstGeom>
+        </p:spPr>
+        <p:style>
+          <a:lnRef idx="2">
+            <a:schemeClr val="accent1">
+              <a:shade val="50000"/>
+            </a:schemeClr>
+          </a:lnRef>
+          <a:fillRef idx="1">
+            <a:schemeClr val="accent1"/>
+          </a:fillRef>
+          <a:effectRef idx="0">
+            <a:schemeClr val="accent1"/>
+          </a:effectRef>
+          <a:fontRef idx="minor">
+            <a:schemeClr val="lt1"/>
+          </a:fontRef>
+        </p:style>
+        <p:txBody>
+          <a:bodyPr rtlCol="0" anchor="ctr"/>
+          <a:lstStyle/>
+          <a:p>
+            <a:pPr algn="ctr"/>
+            <a:endParaRPr lang="en-GB"/>
+          </a:p>
+        </p:txBody>
+      </p:sp>
+      <p:sp>
+        <p:nvSpPr>
+          <p:cNvPr id="58" name="Oval 57">
+            <a:extLst>
+              <a:ext uri="{FF2B5EF4-FFF2-40B4-BE49-F238E27FC236}">
+                <a16:creationId xmlns:a16="http://schemas.microsoft.com/office/drawing/2014/main" id="{EBB21F00-D553-42FB-916C-B06887775B76}"/>
+              </a:ext>
+            </a:extLst>
+          </p:cNvPr>
+          <p:cNvSpPr/>
+          <p:nvPr/>
+        </p:nvSpPr>
+        <p:spPr>
+          <a:xfrm>
+            <a:off x="6206888" y="4251122"/>
+            <a:ext cx="276999" cy="276999"/>
+          </a:xfrm>
+          <a:prstGeom prst="ellipse">
+            <a:avLst/>
+          </a:prstGeom>
+        </p:spPr>
+        <p:style>
+          <a:lnRef idx="2">
+            <a:schemeClr val="accent1">
+              <a:shade val="50000"/>
+            </a:schemeClr>
+          </a:lnRef>
+          <a:fillRef idx="1">
+            <a:schemeClr val="accent1"/>
+          </a:fillRef>
+          <a:effectRef idx="0">
+            <a:schemeClr val="accent1"/>
+          </a:effectRef>
+          <a:fontRef idx="minor">
+            <a:schemeClr val="lt1"/>
+          </a:fontRef>
+        </p:style>
+        <p:txBody>
+          <a:bodyPr rtlCol="0" anchor="ctr"/>
+          <a:lstStyle/>
+          <a:p>
+            <a:pPr algn="ctr"/>
+            <a:endParaRPr lang="en-GB"/>
+          </a:p>
+        </p:txBody>
+      </p:sp>
+      <p:sp>
+        <p:nvSpPr>
+          <p:cNvPr id="59" name="Oval 58">
+            <a:extLst>
+              <a:ext uri="{FF2B5EF4-FFF2-40B4-BE49-F238E27FC236}">
+                <a16:creationId xmlns:a16="http://schemas.microsoft.com/office/drawing/2014/main" id="{F1927269-E2C4-46FA-AB80-D51F3A4CBEC2}"/>
+              </a:ext>
+            </a:extLst>
+          </p:cNvPr>
+          <p:cNvSpPr/>
+          <p:nvPr/>
+        </p:nvSpPr>
+        <p:spPr>
+          <a:xfrm>
+            <a:off x="6552674" y="4251122"/>
+            <a:ext cx="276999" cy="276999"/>
+          </a:xfrm>
+          <a:prstGeom prst="ellipse">
+            <a:avLst/>
+          </a:prstGeom>
+        </p:spPr>
+        <p:style>
+          <a:lnRef idx="2">
+            <a:schemeClr val="accent1">
+              <a:shade val="50000"/>
+            </a:schemeClr>
+          </a:lnRef>
+          <a:fillRef idx="1">
+            <a:schemeClr val="accent1"/>
+          </a:fillRef>
+          <a:effectRef idx="0">
+            <a:schemeClr val="accent1"/>
+          </a:effectRef>
+          <a:fontRef idx="minor">
+            <a:schemeClr val="lt1"/>
+          </a:fontRef>
+        </p:style>
+        <p:txBody>
+          <a:bodyPr rtlCol="0" anchor="ctr"/>
+          <a:lstStyle/>
+          <a:p>
+            <a:pPr algn="ctr"/>
+            <a:endParaRPr lang="en-GB"/>
+          </a:p>
+        </p:txBody>
+      </p:sp>
+      <p:sp>
+        <p:nvSpPr>
+          <p:cNvPr id="60" name="Oval 59">
+            <a:extLst>
+              <a:ext uri="{FF2B5EF4-FFF2-40B4-BE49-F238E27FC236}">
+                <a16:creationId xmlns:a16="http://schemas.microsoft.com/office/drawing/2014/main" id="{86147900-1F87-4DDF-BB26-5343BADE68B4}"/>
+              </a:ext>
+            </a:extLst>
+          </p:cNvPr>
+          <p:cNvSpPr/>
+          <p:nvPr/>
+        </p:nvSpPr>
+        <p:spPr>
+          <a:xfrm>
+            <a:off x="6896507" y="4246347"/>
+            <a:ext cx="276999" cy="276999"/>
+          </a:xfrm>
+          <a:prstGeom prst="ellipse">
+            <a:avLst/>
+          </a:prstGeom>
+        </p:spPr>
+        <p:style>
+          <a:lnRef idx="2">
+            <a:schemeClr val="accent1">
+              <a:shade val="50000"/>
+            </a:schemeClr>
+          </a:lnRef>
+          <a:fillRef idx="1">
+            <a:schemeClr val="accent1"/>
+          </a:fillRef>
+          <a:effectRef idx="0">
+            <a:schemeClr val="accent1"/>
+          </a:effectRef>
+          <a:fontRef idx="minor">
+            <a:schemeClr val="lt1"/>
+          </a:fontRef>
+        </p:style>
+        <p:txBody>
+          <a:bodyPr rtlCol="0" anchor="ctr"/>
+          <a:lstStyle/>
+          <a:p>
+            <a:pPr algn="ctr"/>
+            <a:endParaRPr lang="en-GB"/>
+          </a:p>
+        </p:txBody>
+      </p:sp>
+      <p:sp>
+        <p:nvSpPr>
+          <p:cNvPr id="61" name="TextBox 60">
+            <a:extLst>
+              <a:ext uri="{FF2B5EF4-FFF2-40B4-BE49-F238E27FC236}">
+                <a16:creationId xmlns:a16="http://schemas.microsoft.com/office/drawing/2014/main" id="{F1511B76-4CF2-4823-989B-F2DF2230899D}"/>
+              </a:ext>
+            </a:extLst>
+          </p:cNvPr>
+          <p:cNvSpPr txBox="1"/>
+          <p:nvPr/>
+        </p:nvSpPr>
+        <p:spPr>
+          <a:xfrm>
+            <a:off x="6330528" y="3869116"/>
+            <a:ext cx="998290" cy="276999"/>
+          </a:xfrm>
+          <a:prstGeom prst="rect">
+            <a:avLst/>
+          </a:prstGeom>
+          <a:noFill/>
+        </p:spPr>
+        <p:txBody>
+          <a:bodyPr wrap="square" rtlCol="0">
+            <a:spAutoFit/>
+          </a:bodyPr>
+          <a:lstStyle/>
+          <a:p>
+            <a:pPr algn="ctr"/>
+            <a:r>
+              <a:rPr lang="en-GB" sz="1200" dirty="0"/>
+              <a:t>Date 9/Nov</a:t>
+            </a:r>
+          </a:p>
+        </p:txBody>
+      </p:sp>
+    </p:spTree>
+    <p:extLst>
+      <p:ext uri="{BB962C8B-B14F-4D97-AF65-F5344CB8AC3E}">
+        <p14:creationId xmlns:p14="http://schemas.microsoft.com/office/powerpoint/2010/main" val="2473681729"/>
+      </p:ext>
+    </p:extLst>
+  </p:cSld>
+  <p:clrMapOvr>
+    <a:masterClrMapping/>
+  </p:clrMapOvr>
+</p:sld>
+</file>
+
+<file path=ppt/slides/slide14.xml><?xml version="1.0" encoding="utf-8"?>
+<p:sld xmlns:a="http://schemas.openxmlformats.org/drawingml/2006/main" xmlns:r="http://schemas.openxmlformats.org/officeDocument/2006/relationships" xmlns:p="http://schemas.openxmlformats.org/presentationml/2006/main">
+  <p:cSld>
+    <p:spTree>
+      <p:nvGrpSpPr>
+        <p:cNvPr id="1" name=""/>
+        <p:cNvGrpSpPr/>
+        <p:nvPr/>
+      </p:nvGrpSpPr>
+      <p:grpSpPr>
+        <a:xfrm>
+          <a:off x="0" y="0"/>
+          <a:ext cx="0" cy="0"/>
+          <a:chOff x="0" y="0"/>
+          <a:chExt cx="0" cy="0"/>
+        </a:xfrm>
+      </p:grpSpPr>
+      <p:pic>
+        <p:nvPicPr>
+          <p:cNvPr id="8" name="Picture 7" descr="A picture containing text, monitor, electronics, screenshot&#10;&#10;Description automatically generated">
+            <a:extLst>
+              <a:ext uri="{FF2B5EF4-FFF2-40B4-BE49-F238E27FC236}">
+                <a16:creationId xmlns:a16="http://schemas.microsoft.com/office/drawing/2014/main" id="{307B93B5-CEDC-4133-8461-47BC7B302EB0}"/>
+              </a:ext>
+            </a:extLst>
+          </p:cNvPr>
+          <p:cNvPicPr>
+            <a:picLocks noChangeAspect="1"/>
+          </p:cNvPicPr>
+          <p:nvPr/>
+        </p:nvPicPr>
+        <p:blipFill rotWithShape="1">
+          <a:blip r:embed="rId2">
+            <a:extLst>
+              <a:ext uri="{28A0092B-C50C-407E-A947-70E740481C1C}">
+                <a14:useLocalDpi xmlns:a14="http://schemas.microsoft.com/office/drawing/2010/main" val="0"/>
+              </a:ext>
+            </a:extLst>
+          </a:blip>
+          <a:srcRect l="3550" t="1945" b="1250"/>
+          <a:stretch/>
+        </p:blipFill>
+        <p:spPr>
+          <a:xfrm>
+            <a:off x="4777485" y="839979"/>
+            <a:ext cx="2765061" cy="5776911"/>
+          </a:xfrm>
+          <a:prstGeom prst="rect">
+            <a:avLst/>
+          </a:prstGeom>
+        </p:spPr>
+      </p:pic>
+      <p:sp>
+        <p:nvSpPr>
+          <p:cNvPr id="22" name="TextBox 21">
+            <a:extLst>
+              <a:ext uri="{FF2B5EF4-FFF2-40B4-BE49-F238E27FC236}">
+                <a16:creationId xmlns:a16="http://schemas.microsoft.com/office/drawing/2014/main" id="{B2EC04B5-8187-447D-9F33-823DB47307ED}"/>
+              </a:ext>
+            </a:extLst>
+          </p:cNvPr>
+          <p:cNvSpPr txBox="1"/>
+          <p:nvPr/>
+        </p:nvSpPr>
+        <p:spPr>
+          <a:xfrm>
+            <a:off x="277544" y="241110"/>
+            <a:ext cx="3128386" cy="830997"/>
+          </a:xfrm>
+          <a:prstGeom prst="rect">
+            <a:avLst/>
+          </a:prstGeom>
+          <a:noFill/>
+        </p:spPr>
+        <p:txBody>
+          <a:bodyPr wrap="square" rtlCol="0">
+            <a:spAutoFit/>
+          </a:bodyPr>
+          <a:lstStyle/>
+          <a:p>
+            <a:pPr algn="ctr"/>
+            <a:r>
+              <a:rPr lang="en-GB" sz="2400" b="1" dirty="0">
+                <a:latin typeface="Aparajita" panose="020B0502040204020203" pitchFamily="18" charset="0"/>
+                <a:cs typeface="Aparajita" panose="020B0502040204020203" pitchFamily="18" charset="0"/>
+              </a:rPr>
+              <a:t>My Lucky Number</a:t>
+            </a:r>
+          </a:p>
+          <a:p>
+            <a:pPr algn="ctr"/>
+            <a:r>
+              <a:rPr lang="en-GB" sz="2400" b="1" dirty="0">
+                <a:latin typeface="Aparajita" panose="020B0502040204020203" pitchFamily="18" charset="0"/>
+                <a:cs typeface="Aparajita" panose="020B0502040204020203" pitchFamily="18" charset="0"/>
+              </a:rPr>
+              <a:t>(1-2-6)</a:t>
+            </a:r>
+          </a:p>
+        </p:txBody>
+      </p:sp>
+      <p:sp>
+        <p:nvSpPr>
+          <p:cNvPr id="2" name="TextBox 1">
+            <a:extLst>
+              <a:ext uri="{FF2B5EF4-FFF2-40B4-BE49-F238E27FC236}">
+                <a16:creationId xmlns:a16="http://schemas.microsoft.com/office/drawing/2014/main" id="{9948FFD9-D270-4E35-9110-75D7119B902F}"/>
+              </a:ext>
+            </a:extLst>
+          </p:cNvPr>
+          <p:cNvSpPr txBox="1"/>
+          <p:nvPr/>
+        </p:nvSpPr>
+        <p:spPr>
+          <a:xfrm>
+            <a:off x="5655644" y="1601102"/>
+            <a:ext cx="998290" cy="246221"/>
+          </a:xfrm>
+          <a:prstGeom prst="rect">
+            <a:avLst/>
+          </a:prstGeom>
+          <a:noFill/>
+        </p:spPr>
+        <p:txBody>
+          <a:bodyPr wrap="square" rtlCol="0">
+            <a:spAutoFit/>
+          </a:bodyPr>
+          <a:lstStyle/>
+          <a:p>
+            <a:pPr algn="ctr"/>
+            <a:r>
+              <a:rPr lang="en-GB" sz="1000" dirty="0"/>
+              <a:t>Logo</a:t>
+            </a:r>
+          </a:p>
+        </p:txBody>
+      </p:sp>
+      <p:sp>
+        <p:nvSpPr>
+          <p:cNvPr id="16" name="Rectangle: Rounded Corners 15">
+            <a:extLst>
+              <a:ext uri="{FF2B5EF4-FFF2-40B4-BE49-F238E27FC236}">
+                <a16:creationId xmlns:a16="http://schemas.microsoft.com/office/drawing/2014/main" id="{89F3BEB6-FA1F-474B-BD60-93F9D52C35DD}"/>
+              </a:ext>
+            </a:extLst>
+          </p:cNvPr>
+          <p:cNvSpPr/>
+          <p:nvPr/>
+        </p:nvSpPr>
+        <p:spPr>
+          <a:xfrm>
+            <a:off x="4938165" y="1519424"/>
+            <a:ext cx="2435758" cy="409575"/>
+          </a:xfrm>
+          <a:prstGeom prst="roundRect">
+            <a:avLst>
+              <a:gd name="adj" fmla="val 0"/>
+            </a:avLst>
+          </a:prstGeom>
+          <a:solidFill>
+            <a:srgbClr val="931A25"/>
+          </a:solidFill>
+          <a:ln>
+            <a:noFill/>
+          </a:ln>
+        </p:spPr>
+        <p:style>
+          <a:lnRef idx="2">
+            <a:schemeClr val="accent1">
+              <a:shade val="50000"/>
+            </a:schemeClr>
+          </a:lnRef>
+          <a:fillRef idx="1">
+            <a:schemeClr val="accent1"/>
+          </a:fillRef>
+          <a:effectRef idx="0">
+            <a:schemeClr val="accent1"/>
+          </a:effectRef>
+          <a:fontRef idx="minor">
+            <a:schemeClr val="lt1"/>
+          </a:fontRef>
+        </p:style>
+        <p:txBody>
+          <a:bodyPr rtlCol="0" anchor="ctr"/>
+          <a:lstStyle/>
+          <a:p>
+            <a:r>
+              <a:rPr lang="en-GB" sz="1400" dirty="0">
+                <a:latin typeface="Skeena Display" panose="020B0604020202020204" pitchFamily="2" charset="0"/>
+                <a:cs typeface="Aldhabi" panose="020B0604020202020204" pitchFamily="2" charset="-78"/>
+              </a:rPr>
+              <a:t>&lt;-     History</a:t>
+            </a:r>
+          </a:p>
+        </p:txBody>
+      </p:sp>
+      <p:cxnSp>
+        <p:nvCxnSpPr>
+          <p:cNvPr id="25" name="Connector: Elbow 24">
+            <a:extLst>
+              <a:ext uri="{FF2B5EF4-FFF2-40B4-BE49-F238E27FC236}">
+                <a16:creationId xmlns:a16="http://schemas.microsoft.com/office/drawing/2014/main" id="{F95C8CE2-0B6F-42C2-B92A-BF2167A55830}"/>
+              </a:ext>
+            </a:extLst>
+          </p:cNvPr>
+          <p:cNvCxnSpPr>
+            <a:cxnSpLocks/>
+          </p:cNvCxnSpPr>
+          <p:nvPr/>
+        </p:nvCxnSpPr>
+        <p:spPr>
+          <a:xfrm>
+            <a:off x="3788192" y="1540155"/>
+            <a:ext cx="1180017" cy="196896"/>
+          </a:xfrm>
+          <a:prstGeom prst="bentConnector3">
+            <a:avLst>
+              <a:gd name="adj1" fmla="val 50000"/>
+            </a:avLst>
+          </a:prstGeom>
+          <a:ln w="28575">
+            <a:solidFill>
+              <a:srgbClr val="931A25"/>
+            </a:solidFill>
+          </a:ln>
+        </p:spPr>
+        <p:style>
+          <a:lnRef idx="1">
+            <a:schemeClr val="accent1"/>
+          </a:lnRef>
+          <a:fillRef idx="0">
+            <a:schemeClr val="accent1"/>
+          </a:fillRef>
+          <a:effectRef idx="0">
+            <a:schemeClr val="accent1"/>
+          </a:effectRef>
+          <a:fontRef idx="minor">
+            <a:schemeClr val="tx1"/>
+          </a:fontRef>
+        </p:style>
+      </p:cxnSp>
+      <p:sp>
+        <p:nvSpPr>
+          <p:cNvPr id="47" name="TextBox 46">
+            <a:extLst>
+              <a:ext uri="{FF2B5EF4-FFF2-40B4-BE49-F238E27FC236}">
+                <a16:creationId xmlns:a16="http://schemas.microsoft.com/office/drawing/2014/main" id="{E1634ED7-D804-42D5-A8A5-A9CBDE08C9E1}"/>
+              </a:ext>
+            </a:extLst>
+          </p:cNvPr>
+          <p:cNvSpPr txBox="1"/>
+          <p:nvPr/>
+        </p:nvSpPr>
+        <p:spPr>
+          <a:xfrm>
+            <a:off x="1132514" y="1386267"/>
+            <a:ext cx="3042407" cy="307777"/>
+          </a:xfrm>
+          <a:prstGeom prst="rect">
+            <a:avLst/>
+          </a:prstGeom>
+          <a:solidFill>
+            <a:srgbClr val="931A25"/>
+          </a:solidFill>
+          <a:ln w="28575">
+            <a:solidFill>
+              <a:srgbClr val="931A25"/>
+            </a:solidFill>
+          </a:ln>
+        </p:spPr>
+        <p:txBody>
+          <a:bodyPr wrap="square" rtlCol="0">
+            <a:spAutoFit/>
+          </a:bodyPr>
+          <a:lstStyle/>
+          <a:p>
+            <a:pPr algn="just"/>
+            <a:r>
+              <a:rPr lang="en-GB" sz="1400" dirty="0">
+                <a:solidFill>
+                  <a:schemeClr val="bg1"/>
+                </a:solidFill>
+                <a:latin typeface="Skeena Display" panose="020B0604020202020204" pitchFamily="2" charset="0"/>
+                <a:cs typeface="Aldhabi" panose="020B0604020202020204" pitchFamily="2" charset="-78"/>
+              </a:rPr>
+              <a:t>1. Stack Navigator and Title</a:t>
+            </a:r>
+          </a:p>
+        </p:txBody>
+      </p:sp>
+      <p:sp>
+        <p:nvSpPr>
+          <p:cNvPr id="50" name="Rectangle: Rounded Corners 49">
+            <a:extLst>
+              <a:ext uri="{FF2B5EF4-FFF2-40B4-BE49-F238E27FC236}">
+                <a16:creationId xmlns:a16="http://schemas.microsoft.com/office/drawing/2014/main" id="{B40AE29B-A446-4BB7-8C3D-AD0342C7611D}"/>
+              </a:ext>
+            </a:extLst>
+          </p:cNvPr>
+          <p:cNvSpPr/>
+          <p:nvPr/>
+        </p:nvSpPr>
+        <p:spPr>
+          <a:xfrm>
+            <a:off x="4938165" y="5603652"/>
+            <a:ext cx="2435758" cy="384376"/>
+          </a:xfrm>
+          <a:prstGeom prst="roundRect">
+            <a:avLst>
+              <a:gd name="adj" fmla="val 0"/>
+            </a:avLst>
+          </a:prstGeom>
+          <a:solidFill>
+            <a:srgbClr val="931A25"/>
+          </a:solidFill>
+          <a:ln>
+            <a:noFill/>
+          </a:ln>
+        </p:spPr>
+        <p:style>
+          <a:lnRef idx="2">
+            <a:schemeClr val="accent1">
+              <a:shade val="50000"/>
+            </a:schemeClr>
+          </a:lnRef>
+          <a:fillRef idx="1">
+            <a:schemeClr val="accent1"/>
+          </a:fillRef>
+          <a:effectRef idx="0">
+            <a:schemeClr val="accent1"/>
+          </a:effectRef>
+          <a:fontRef idx="minor">
+            <a:schemeClr val="lt1"/>
+          </a:fontRef>
+        </p:style>
+        <p:txBody>
+          <a:bodyPr rtlCol="0" anchor="ctr"/>
+          <a:lstStyle/>
+          <a:p>
+            <a:pPr algn="ctr"/>
+            <a:r>
+              <a:rPr lang="en-GB" sz="1000" dirty="0">
+                <a:latin typeface="Skeena Display" panose="020B0604020202020204" pitchFamily="2" charset="0"/>
+                <a:cs typeface="Aldhabi" panose="020B0604020202020204" pitchFamily="2" charset="-78"/>
+              </a:rPr>
+              <a:t>[Home]  [Event]  [My room]  [Purchase]</a:t>
+            </a:r>
+          </a:p>
+          <a:p>
+            <a:r>
+              <a:rPr lang="en-GB" sz="1000" dirty="0">
+                <a:latin typeface="Skeena Display" panose="020B0604020202020204" pitchFamily="2" charset="0"/>
+                <a:cs typeface="Aldhabi" panose="020B0604020202020204" pitchFamily="2" charset="-78"/>
+              </a:rPr>
+              <a:t>       [1-2]      [1-2-7]     [1-2-1 ]        [1-2-9]</a:t>
+            </a:r>
+          </a:p>
+        </p:txBody>
+      </p:sp>
+      <p:sp>
+        <p:nvSpPr>
+          <p:cNvPr id="4" name="TextBox 3">
+            <a:extLst>
+              <a:ext uri="{FF2B5EF4-FFF2-40B4-BE49-F238E27FC236}">
+                <a16:creationId xmlns:a16="http://schemas.microsoft.com/office/drawing/2014/main" id="{4138EF58-2AE0-432F-91E5-6BF742056E5A}"/>
+              </a:ext>
+            </a:extLst>
+          </p:cNvPr>
+          <p:cNvSpPr txBox="1"/>
+          <p:nvPr/>
+        </p:nvSpPr>
+        <p:spPr>
+          <a:xfrm>
+            <a:off x="4969673" y="2082887"/>
+            <a:ext cx="2435758" cy="369332"/>
+          </a:xfrm>
+          <a:prstGeom prst="rect">
+            <a:avLst/>
+          </a:prstGeom>
+          <a:noFill/>
+        </p:spPr>
+        <p:txBody>
+          <a:bodyPr wrap="square" rtlCol="0">
+            <a:spAutoFit/>
+          </a:bodyPr>
+          <a:lstStyle/>
+          <a:p>
+            <a:r>
+              <a:rPr lang="en-GB" dirty="0"/>
+              <a:t>Your Coming Lucky day</a:t>
+            </a:r>
+          </a:p>
+        </p:txBody>
+      </p:sp>
+      <p:sp>
+        <p:nvSpPr>
+          <p:cNvPr id="36" name="TextBox 35">
+            <a:extLst>
+              <a:ext uri="{FF2B5EF4-FFF2-40B4-BE49-F238E27FC236}">
+                <a16:creationId xmlns:a16="http://schemas.microsoft.com/office/drawing/2014/main" id="{1F684EF3-9E24-4ED8-8C23-FDCE9EB73BC0}"/>
+              </a:ext>
+            </a:extLst>
+          </p:cNvPr>
+          <p:cNvSpPr txBox="1"/>
+          <p:nvPr/>
+        </p:nvSpPr>
+        <p:spPr>
+          <a:xfrm>
+            <a:off x="4968209" y="3274454"/>
+            <a:ext cx="2435758" cy="369332"/>
+          </a:xfrm>
+          <a:prstGeom prst="rect">
+            <a:avLst/>
+          </a:prstGeom>
+          <a:noFill/>
+        </p:spPr>
+        <p:txBody>
+          <a:bodyPr wrap="square" rtlCol="0">
+            <a:spAutoFit/>
+          </a:bodyPr>
+          <a:lstStyle/>
+          <a:p>
+            <a:r>
+              <a:rPr lang="en-GB" dirty="0"/>
+              <a:t>Lucky Numbers</a:t>
+            </a:r>
+          </a:p>
+        </p:txBody>
+      </p:sp>
+    </p:spTree>
+    <p:extLst>
+      <p:ext uri="{BB962C8B-B14F-4D97-AF65-F5344CB8AC3E}">
+        <p14:creationId xmlns:p14="http://schemas.microsoft.com/office/powerpoint/2010/main" val="1252219062"/>
+      </p:ext>
+    </p:extLst>
+  </p:cSld>
+  <p:clrMapOvr>
+    <a:masterClrMapping/>
+  </p:clrMapOvr>
+</p:sld>
+</file>
+
+<file path=ppt/slides/slide15.xml><?xml version="1.0" encoding="utf-8"?>
 <p:sld xmlns:a="http://schemas.openxmlformats.org/drawingml/2006/main" xmlns:r="http://schemas.openxmlformats.org/officeDocument/2006/relationships" xmlns:p="http://schemas.openxmlformats.org/presentationml/2006/main">
   <p:cSld>
     <p:spTree>
